--- a/slides/26-interaction.pptx
+++ b/slides/26-interaction.pptx
@@ -5,7 +5,7 @@
     <p:sldMasterId id="2147483852" r:id="rId1"/>
   </p:sldMasterIdLst>
   <p:notesMasterIdLst>
-    <p:notesMasterId r:id="rId21"/>
+    <p:notesMasterId r:id="rId22"/>
   </p:notesMasterIdLst>
   <p:sldIdLst>
     <p:sldId id="256" r:id="rId2"/>
@@ -24,9 +24,10 @@
     <p:sldId id="354" r:id="rId15"/>
     <p:sldId id="408" r:id="rId16"/>
     <p:sldId id="403" r:id="rId17"/>
-    <p:sldId id="411" r:id="rId18"/>
-    <p:sldId id="404" r:id="rId19"/>
+    <p:sldId id="404" r:id="rId18"/>
+    <p:sldId id="411" r:id="rId19"/>
     <p:sldId id="412" r:id="rId20"/>
+    <p:sldId id="415" r:id="rId21"/>
   </p:sldIdLst>
   <p:sldSz cx="12192000" cy="6858000"/>
   <p:notesSz cx="6858000" cy="9144000"/>
@@ -215,7 +216,7 @@
           <a:p>
             <a:fld id="{3CBB8A52-8AC5-C74C-97FB-632C448F3674}" type="datetimeFigureOut">
               <a:rPr lang="en-US" smtClean="0"/>
-              <a:t>11/14/23</a:t>
+              <a:t>3/25/24</a:t>
             </a:fld>
             <a:endParaRPr lang="en-US"/>
           </a:p>
@@ -780,17 +781,8 @@
           <a:p>
             <a:r>
               <a:rPr lang="en-US" dirty="0"/>
-              <a:t>https://</a:t>
-            </a:r>
-            <a:r>
-              <a:rPr lang="en-US" dirty="0" err="1"/>
-              <a:t>replit.com</a:t>
-            </a:r>
-            <a:r>
-              <a:rPr lang="en-US"/>
-              <a:t>/@CAIS117-F23/button</a:t>
-            </a:r>
-            <a:endParaRPr lang="en-US" dirty="0"/>
+              <a:t>button demo </a:t>
+            </a:r>
           </a:p>
         </p:txBody>
       </p:sp>
@@ -1044,7 +1036,7 @@
           <a:p>
             <a:r>
               <a:rPr lang="en-US" dirty="0"/>
-              <a:t>Add a fish every time the user clicks (at the position where their mouse was pointing).</a:t>
+              <a:t>Our current aquarium probably still quits when the user clicks, but clicking is probably better used for more interesting interactions. Let’s change it so the program quits when the user presses the ‘q’ key.</a:t>
             </a:r>
           </a:p>
         </p:txBody>
@@ -1075,7 +1067,7 @@
     </p:spTree>
     <p:extLst>
       <p:ext uri="{BB962C8B-B14F-4D97-AF65-F5344CB8AC3E}">
-        <p14:creationId xmlns:p14="http://schemas.microsoft.com/office/powerpoint/2010/main" val="3962422331"/>
+        <p14:creationId xmlns:p14="http://schemas.microsoft.com/office/powerpoint/2010/main" val="1101513597"/>
       </p:ext>
     </p:extLst>
   </p:cSld>
@@ -1131,7 +1123,7 @@
           <a:p>
             <a:r>
               <a:rPr lang="en-US" dirty="0"/>
-              <a:t>Our current aquarium probably still quits when the user clicks, but clicking is probably better used for more interesting interactions. Let’s change it so the program quits when the user presses the ‘q’ key.</a:t>
+              <a:t>Add a fish every time the user clicks (at the position where their mouse was pointing).</a:t>
             </a:r>
           </a:p>
         </p:txBody>
@@ -1162,7 +1154,7 @@
     </p:spTree>
     <p:extLst>
       <p:ext uri="{BB962C8B-B14F-4D97-AF65-F5344CB8AC3E}">
-        <p14:creationId xmlns:p14="http://schemas.microsoft.com/office/powerpoint/2010/main" val="1101513597"/>
+        <p14:creationId xmlns:p14="http://schemas.microsoft.com/office/powerpoint/2010/main" val="3962422331"/>
       </p:ext>
     </p:extLst>
   </p:cSld>
@@ -1501,7 +1493,7 @@
             <a:fld id="{5586B75A-687E-405C-8A0B-8D00578BA2C3}" type="datetimeFigureOut">
               <a:rPr lang="en-US" smtClean="0"/>
               <a:pPr/>
-              <a:t>11/14/23</a:t>
+              <a:t>3/25/24</a:t>
             </a:fld>
             <a:endParaRPr lang="en-US" dirty="0"/>
           </a:p>
@@ -1673,7 +1665,7 @@
             <a:fld id="{5586B75A-687E-405C-8A0B-8D00578BA2C3}" type="datetimeFigureOut">
               <a:rPr lang="en-US" smtClean="0"/>
               <a:pPr/>
-              <a:t>11/14/23</a:t>
+              <a:t>3/25/24</a:t>
             </a:fld>
             <a:endParaRPr lang="en-US" dirty="0"/>
           </a:p>
@@ -1855,7 +1847,7 @@
             <a:fld id="{5586B75A-687E-405C-8A0B-8D00578BA2C3}" type="datetimeFigureOut">
               <a:rPr lang="en-US" smtClean="0"/>
               <a:pPr/>
-              <a:t>11/14/23</a:t>
+              <a:t>3/25/24</a:t>
             </a:fld>
             <a:endParaRPr lang="en-US" dirty="0"/>
           </a:p>
@@ -2027,7 +2019,7 @@
             <a:fld id="{5586B75A-687E-405C-8A0B-8D00578BA2C3}" type="datetimeFigureOut">
               <a:rPr lang="en-US" smtClean="0"/>
               <a:pPr/>
-              <a:t>11/14/23</a:t>
+              <a:t>3/25/24</a:t>
             </a:fld>
             <a:endParaRPr lang="en-US" dirty="0"/>
           </a:p>
@@ -2283,7 +2275,7 @@
             <a:fld id="{5586B75A-687E-405C-8A0B-8D00578BA2C3}" type="datetimeFigureOut">
               <a:rPr lang="en-US" smtClean="0"/>
               <a:pPr/>
-              <a:t>11/14/23</a:t>
+              <a:t>3/25/24</a:t>
             </a:fld>
             <a:endParaRPr lang="en-US" dirty="0"/>
           </a:p>
@@ -2573,7 +2565,7 @@
             <a:fld id="{5586B75A-687E-405C-8A0B-8D00578BA2C3}" type="datetimeFigureOut">
               <a:rPr lang="en-US" smtClean="0"/>
               <a:pPr/>
-              <a:t>11/14/23</a:t>
+              <a:t>3/25/24</a:t>
             </a:fld>
             <a:endParaRPr lang="en-US" dirty="0"/>
           </a:p>
@@ -3017,7 +3009,7 @@
             <a:fld id="{5586B75A-687E-405C-8A0B-8D00578BA2C3}" type="datetimeFigureOut">
               <a:rPr lang="en-US" smtClean="0"/>
               <a:pPr/>
-              <a:t>11/14/23</a:t>
+              <a:t>3/25/24</a:t>
             </a:fld>
             <a:endParaRPr lang="en-US" dirty="0"/>
           </a:p>
@@ -3137,7 +3129,7 @@
             <a:fld id="{5586B75A-687E-405C-8A0B-8D00578BA2C3}" type="datetimeFigureOut">
               <a:rPr lang="en-US" smtClean="0"/>
               <a:pPr/>
-              <a:t>11/14/23</a:t>
+              <a:t>3/25/24</a:t>
             </a:fld>
             <a:endParaRPr lang="en-US" dirty="0"/>
           </a:p>
@@ -3234,7 +3226,7 @@
             <a:fld id="{5586B75A-687E-405C-8A0B-8D00578BA2C3}" type="datetimeFigureOut">
               <a:rPr lang="en-US" smtClean="0"/>
               <a:pPr/>
-              <a:t>11/14/23</a:t>
+              <a:t>3/25/24</a:t>
             </a:fld>
             <a:endParaRPr lang="en-US" dirty="0"/>
           </a:p>
@@ -3524,7 +3516,7 @@
             <a:fld id="{5586B75A-687E-405C-8A0B-8D00578BA2C3}" type="datetimeFigureOut">
               <a:rPr lang="en-US" smtClean="0"/>
               <a:pPr/>
-              <a:t>11/14/23</a:t>
+              <a:t>3/25/24</a:t>
             </a:fld>
             <a:endParaRPr lang="en-US" dirty="0"/>
           </a:p>
@@ -3799,7 +3791,7 @@
             <a:fld id="{5586B75A-687E-405C-8A0B-8D00578BA2C3}" type="datetimeFigureOut">
               <a:rPr lang="en-US" smtClean="0"/>
               <a:pPr/>
-              <a:t>11/14/23</a:t>
+              <a:t>3/25/24</a:t>
             </a:fld>
             <a:endParaRPr lang="en-US" dirty="0"/>
           </a:p>
@@ -4098,7 +4090,7 @@
             <a:fld id="{5586B75A-687E-405C-8A0B-8D00578BA2C3}" type="datetimeFigureOut">
               <a:rPr lang="en-US" smtClean="0"/>
               <a:pPr/>
-              <a:t>11/14/23</a:t>
+              <a:t>3/25/24</a:t>
             </a:fld>
             <a:endParaRPr lang="en-US" dirty="0"/>
           </a:p>
@@ -6613,21 +6605,20 @@
                 <a:latin typeface="Arial" panose="020B0604020202020204" pitchFamily="34" charset="0"/>
                 <a:cs typeface="Arial" panose="020B0604020202020204" pitchFamily="34" charset="0"/>
               </a:rPr>
-              <a:t>Use the starter code on </a:t>
-            </a:r>
-            <a:r>
-              <a:rPr lang="en-US" sz="2400" dirty="0" err="1">
-                <a:latin typeface="Arial" panose="020B0604020202020204" pitchFamily="34" charset="0"/>
-                <a:cs typeface="Arial" panose="020B0604020202020204" pitchFamily="34" charset="0"/>
-              </a:rPr>
-              <a:t>repl</a:t>
-            </a:r>
+              <a:t>Start with your fish from the last two classes</a:t>
+            </a:r>
+          </a:p>
+          <a:p>
+            <a:pPr>
+              <a:buFont typeface="Arial" panose="020B0604020202020204" pitchFamily="34" charset="0"/>
+              <a:buChar char="•"/>
+            </a:pPr>
             <a:r>
               <a:rPr lang="en-US" sz="2400" dirty="0">
                 <a:latin typeface="Arial" panose="020B0604020202020204" pitchFamily="34" charset="0"/>
                 <a:cs typeface="Arial" panose="020B0604020202020204" pitchFamily="34" charset="0"/>
               </a:rPr>
-              <a:t>, and implement the following…</a:t>
+              <a:t>Do the following…</a:t>
             </a:r>
           </a:p>
         </p:txBody>
@@ -6646,6 +6637,124 @@
 </file>
 
 <file path=ppt/slides/slide17.xml><?xml version="1.0" encoding="utf-8"?>
+<p:sld xmlns:a="http://schemas.openxmlformats.org/drawingml/2006/main" xmlns:r="http://schemas.openxmlformats.org/officeDocument/2006/relationships" xmlns:p="http://schemas.openxmlformats.org/presentationml/2006/main">
+  <p:cSld>
+    <p:spTree>
+      <p:nvGrpSpPr>
+        <p:cNvPr id="1" name=""/>
+        <p:cNvGrpSpPr/>
+        <p:nvPr/>
+      </p:nvGrpSpPr>
+      <p:grpSpPr>
+        <a:xfrm>
+          <a:off x="0" y="0"/>
+          <a:ext cx="0" cy="0"/>
+          <a:chOff x="0" y="0"/>
+          <a:chExt cx="0" cy="0"/>
+        </a:xfrm>
+      </p:grpSpPr>
+      <p:pic>
+        <p:nvPicPr>
+          <p:cNvPr id="14" name="Content Placeholder 6">
+            <a:extLst>
+              <a:ext uri="{FF2B5EF4-FFF2-40B4-BE49-F238E27FC236}">
+                <a16:creationId xmlns:a16="http://schemas.microsoft.com/office/drawing/2014/main" id="{1EEEBFE9-1AA9-084F-B1F1-359961E47995}"/>
+              </a:ext>
+            </a:extLst>
+          </p:cNvPr>
+          <p:cNvPicPr>
+            <a:picLocks noChangeAspect="1"/>
+          </p:cNvPicPr>
+          <p:nvPr/>
+        </p:nvPicPr>
+        <p:blipFill>
+          <a:blip r:embed="rId3"/>
+          <a:stretch>
+            <a:fillRect/>
+          </a:stretch>
+        </p:blipFill>
+        <p:spPr>
+          <a:xfrm>
+            <a:off x="3529775" y="849381"/>
+            <a:ext cx="9171977" cy="5159237"/>
+          </a:xfrm>
+          <a:prstGeom prst="rect">
+            <a:avLst/>
+          </a:prstGeom>
+        </p:spPr>
+      </p:pic>
+      <p:sp>
+        <p:nvSpPr>
+          <p:cNvPr id="2" name="Title 1">
+            <a:extLst>
+              <a:ext uri="{FF2B5EF4-FFF2-40B4-BE49-F238E27FC236}">
+                <a16:creationId xmlns:a16="http://schemas.microsoft.com/office/drawing/2014/main" id="{59649C89-4AC5-2E46-902A-97810C724BF3}"/>
+              </a:ext>
+            </a:extLst>
+          </p:cNvPr>
+          <p:cNvSpPr>
+            <a:spLocks noGrp="1"/>
+          </p:cNvSpPr>
+          <p:nvPr>
+            <p:ph type="title"/>
+          </p:nvPr>
+        </p:nvSpPr>
+        <p:spPr/>
+        <p:txBody>
+          <a:bodyPr/>
+          <a:lstStyle/>
+          <a:p>
+            <a:r>
+              <a:rPr lang="en-US" dirty="0"/>
+              <a:t>Challenge 1: press ’q’ to quit</a:t>
+            </a:r>
+          </a:p>
+        </p:txBody>
+      </p:sp>
+      <p:pic>
+        <p:nvPicPr>
+          <p:cNvPr id="9" name="Picture 8">
+            <a:extLst>
+              <a:ext uri="{FF2B5EF4-FFF2-40B4-BE49-F238E27FC236}">
+                <a16:creationId xmlns:a16="http://schemas.microsoft.com/office/drawing/2014/main" id="{2D687163-F095-2745-826F-D77CB393C282}"/>
+              </a:ext>
+            </a:extLst>
+          </p:cNvPr>
+          <p:cNvPicPr>
+            <a:picLocks noChangeAspect="1"/>
+          </p:cNvPicPr>
+          <p:nvPr/>
+        </p:nvPicPr>
+        <p:blipFill>
+          <a:blip r:embed="rId4"/>
+          <a:stretch>
+            <a:fillRect/>
+          </a:stretch>
+        </p:blipFill>
+        <p:spPr>
+          <a:xfrm>
+            <a:off x="6993102" y="1700833"/>
+            <a:ext cx="1358900" cy="1219200"/>
+          </a:xfrm>
+          <a:prstGeom prst="rect">
+            <a:avLst/>
+          </a:prstGeom>
+        </p:spPr>
+      </p:pic>
+    </p:spTree>
+    <p:extLst>
+      <p:ext uri="{BB962C8B-B14F-4D97-AF65-F5344CB8AC3E}">
+        <p14:creationId xmlns:p14="http://schemas.microsoft.com/office/powerpoint/2010/main" val="3663333823"/>
+      </p:ext>
+    </p:extLst>
+  </p:cSld>
+  <p:clrMapOvr>
+    <a:masterClrMapping/>
+  </p:clrMapOvr>
+</p:sld>
+</file>
+
+<file path=ppt/slides/slide18.xml><?xml version="1.0" encoding="utf-8"?>
 <p:sld xmlns:a="http://schemas.openxmlformats.org/drawingml/2006/main" xmlns:r="http://schemas.openxmlformats.org/officeDocument/2006/relationships" xmlns:p="http://schemas.openxmlformats.org/presentationml/2006/main">
   <p:cSld>
     <p:spTree>
@@ -6715,7 +6824,7 @@
           <a:p>
             <a:r>
               <a:rPr lang="en-US" dirty="0"/>
-              <a:t>Challenge 1: fish position</a:t>
+              <a:t>Challenge 2: fish position</a:t>
             </a:r>
           </a:p>
         </p:txBody>
@@ -7001,124 +7110,6 @@
       </p:par>
     </p:tnLst>
   </p:timing>
-</p:sld>
-</file>
-
-<file path=ppt/slides/slide18.xml><?xml version="1.0" encoding="utf-8"?>
-<p:sld xmlns:a="http://schemas.openxmlformats.org/drawingml/2006/main" xmlns:r="http://schemas.openxmlformats.org/officeDocument/2006/relationships" xmlns:p="http://schemas.openxmlformats.org/presentationml/2006/main">
-  <p:cSld>
-    <p:spTree>
-      <p:nvGrpSpPr>
-        <p:cNvPr id="1" name=""/>
-        <p:cNvGrpSpPr/>
-        <p:nvPr/>
-      </p:nvGrpSpPr>
-      <p:grpSpPr>
-        <a:xfrm>
-          <a:off x="0" y="0"/>
-          <a:ext cx="0" cy="0"/>
-          <a:chOff x="0" y="0"/>
-          <a:chExt cx="0" cy="0"/>
-        </a:xfrm>
-      </p:grpSpPr>
-      <p:pic>
-        <p:nvPicPr>
-          <p:cNvPr id="14" name="Content Placeholder 6">
-            <a:extLst>
-              <a:ext uri="{FF2B5EF4-FFF2-40B4-BE49-F238E27FC236}">
-                <a16:creationId xmlns:a16="http://schemas.microsoft.com/office/drawing/2014/main" id="{1EEEBFE9-1AA9-084F-B1F1-359961E47995}"/>
-              </a:ext>
-            </a:extLst>
-          </p:cNvPr>
-          <p:cNvPicPr>
-            <a:picLocks noChangeAspect="1"/>
-          </p:cNvPicPr>
-          <p:nvPr/>
-        </p:nvPicPr>
-        <p:blipFill>
-          <a:blip r:embed="rId3"/>
-          <a:stretch>
-            <a:fillRect/>
-          </a:stretch>
-        </p:blipFill>
-        <p:spPr>
-          <a:xfrm>
-            <a:off x="3529775" y="849381"/>
-            <a:ext cx="9171977" cy="5159237"/>
-          </a:xfrm>
-          <a:prstGeom prst="rect">
-            <a:avLst/>
-          </a:prstGeom>
-        </p:spPr>
-      </p:pic>
-      <p:sp>
-        <p:nvSpPr>
-          <p:cNvPr id="2" name="Title 1">
-            <a:extLst>
-              <a:ext uri="{FF2B5EF4-FFF2-40B4-BE49-F238E27FC236}">
-                <a16:creationId xmlns:a16="http://schemas.microsoft.com/office/drawing/2014/main" id="{59649C89-4AC5-2E46-902A-97810C724BF3}"/>
-              </a:ext>
-            </a:extLst>
-          </p:cNvPr>
-          <p:cNvSpPr>
-            <a:spLocks noGrp="1"/>
-          </p:cNvSpPr>
-          <p:nvPr>
-            <p:ph type="title"/>
-          </p:nvPr>
-        </p:nvSpPr>
-        <p:spPr/>
-        <p:txBody>
-          <a:bodyPr/>
-          <a:lstStyle/>
-          <a:p>
-            <a:r>
-              <a:rPr lang="en-US" dirty="0"/>
-              <a:t>Challenge 2: press ’q’ to quit</a:t>
-            </a:r>
-          </a:p>
-        </p:txBody>
-      </p:sp>
-      <p:pic>
-        <p:nvPicPr>
-          <p:cNvPr id="9" name="Picture 8">
-            <a:extLst>
-              <a:ext uri="{FF2B5EF4-FFF2-40B4-BE49-F238E27FC236}">
-                <a16:creationId xmlns:a16="http://schemas.microsoft.com/office/drawing/2014/main" id="{2D687163-F095-2745-826F-D77CB393C282}"/>
-              </a:ext>
-            </a:extLst>
-          </p:cNvPr>
-          <p:cNvPicPr>
-            <a:picLocks noChangeAspect="1"/>
-          </p:cNvPicPr>
-          <p:nvPr/>
-        </p:nvPicPr>
-        <p:blipFill>
-          <a:blip r:embed="rId4"/>
-          <a:stretch>
-            <a:fillRect/>
-          </a:stretch>
-        </p:blipFill>
-        <p:spPr>
-          <a:xfrm>
-            <a:off x="6993102" y="1700833"/>
-            <a:ext cx="1358900" cy="1219200"/>
-          </a:xfrm>
-          <a:prstGeom prst="rect">
-            <a:avLst/>
-          </a:prstGeom>
-        </p:spPr>
-      </p:pic>
-    </p:spTree>
-    <p:extLst>
-      <p:ext uri="{BB962C8B-B14F-4D97-AF65-F5344CB8AC3E}">
-        <p14:creationId xmlns:p14="http://schemas.microsoft.com/office/powerpoint/2010/main" val="3663333823"/>
-      </p:ext>
-    </p:extLst>
-  </p:cSld>
-  <p:clrMapOvr>
-    <a:masterClrMapping/>
-  </p:clrMapOvr>
 </p:sld>
 </file>
 
@@ -7803,6 +7794,111 @@
     <p:extLst>
       <p:ext uri="{BB962C8B-B14F-4D97-AF65-F5344CB8AC3E}">
         <p14:creationId xmlns:p14="http://schemas.microsoft.com/office/powerpoint/2010/main" val="4250095247"/>
+      </p:ext>
+    </p:extLst>
+  </p:cSld>
+  <p:clrMapOvr>
+    <a:masterClrMapping/>
+  </p:clrMapOvr>
+</p:sld>
+</file>
+
+<file path=ppt/slides/slide20.xml><?xml version="1.0" encoding="utf-8"?>
+<p:sld xmlns:a="http://schemas.openxmlformats.org/drawingml/2006/main" xmlns:r="http://schemas.openxmlformats.org/officeDocument/2006/relationships" xmlns:p="http://schemas.openxmlformats.org/presentationml/2006/main">
+  <p:cSld>
+    <p:spTree>
+      <p:nvGrpSpPr>
+        <p:cNvPr id="1" name=""/>
+        <p:cNvGrpSpPr/>
+        <p:nvPr/>
+      </p:nvGrpSpPr>
+      <p:grpSpPr>
+        <a:xfrm>
+          <a:off x="0" y="0"/>
+          <a:ext cx="0" cy="0"/>
+          <a:chOff x="0" y="0"/>
+          <a:chExt cx="0" cy="0"/>
+        </a:xfrm>
+      </p:grpSpPr>
+      <p:sp>
+        <p:nvSpPr>
+          <p:cNvPr id="2" name="Title 1">
+            <a:extLst>
+              <a:ext uri="{FF2B5EF4-FFF2-40B4-BE49-F238E27FC236}">
+                <a16:creationId xmlns:a16="http://schemas.microsoft.com/office/drawing/2014/main" id="{C08BFDE4-730A-16CA-E73E-274E380A837D}"/>
+              </a:ext>
+            </a:extLst>
+          </p:cNvPr>
+          <p:cNvSpPr>
+            <a:spLocks noGrp="1"/>
+          </p:cNvSpPr>
+          <p:nvPr>
+            <p:ph type="title"/>
+          </p:nvPr>
+        </p:nvSpPr>
+        <p:spPr/>
+        <p:txBody>
+          <a:bodyPr/>
+          <a:lstStyle/>
+          <a:p>
+            <a:r>
+              <a:rPr lang="en-US" dirty="0"/>
+              <a:t>Activity: Fish Tank </a:t>
+            </a:r>
+          </a:p>
+        </p:txBody>
+      </p:sp>
+      <p:sp>
+        <p:nvSpPr>
+          <p:cNvPr id="3" name="Content Placeholder 2">
+            <a:extLst>
+              <a:ext uri="{FF2B5EF4-FFF2-40B4-BE49-F238E27FC236}">
+                <a16:creationId xmlns:a16="http://schemas.microsoft.com/office/drawing/2014/main" id="{21C63F97-599A-B9A6-95B3-7D22CC32205D}"/>
+              </a:ext>
+            </a:extLst>
+          </p:cNvPr>
+          <p:cNvSpPr>
+            <a:spLocks noGrp="1"/>
+          </p:cNvSpPr>
+          <p:nvPr>
+            <p:ph idx="1"/>
+          </p:nvPr>
+        </p:nvSpPr>
+        <p:spPr/>
+        <p:txBody>
+          <a:bodyPr>
+            <a:normAutofit/>
+          </a:bodyPr>
+          <a:lstStyle/>
+          <a:p>
+            <a:r>
+              <a:rPr lang="en-US" sz="2400" dirty="0"/>
+              <a:t>Challenge 1: Quit when the user presses “q”</a:t>
+            </a:r>
+          </a:p>
+          <a:p>
+            <a:r>
+              <a:rPr lang="en-US" sz="2400" dirty="0"/>
+              <a:t>Challenge 2: Add a fish wherever the user clicks</a:t>
+            </a:r>
+          </a:p>
+          <a:p>
+            <a:r>
+              <a:rPr lang="en-US" sz="2400" dirty="0"/>
+              <a:t>Challenge 3: If the user presses the space bar, have all the fish swim to the nearest edge of </a:t>
+            </a:r>
+            <a:r>
+              <a:rPr lang="en-US" sz="2400"/>
+              <a:t>the screen</a:t>
+            </a:r>
+            <a:endParaRPr lang="en-US" sz="2400" dirty="0"/>
+          </a:p>
+        </p:txBody>
+      </p:sp>
+    </p:spTree>
+    <p:extLst>
+      <p:ext uri="{BB962C8B-B14F-4D97-AF65-F5344CB8AC3E}">
+        <p14:creationId xmlns:p14="http://schemas.microsoft.com/office/powerpoint/2010/main" val="1595233473"/>
       </p:ext>
     </p:extLst>
   </p:cSld>

--- a/slides/26-interaction.pptx
+++ b/slides/26-interaction.pptx
@@ -5,29 +5,31 @@
     <p:sldMasterId id="2147483852" r:id="rId1"/>
   </p:sldMasterIdLst>
   <p:notesMasterIdLst>
-    <p:notesMasterId r:id="rId22"/>
+    <p:notesMasterId r:id="rId24"/>
   </p:notesMasterIdLst>
   <p:sldIdLst>
     <p:sldId id="256" r:id="rId2"/>
     <p:sldId id="374" r:id="rId3"/>
-    <p:sldId id="261" r:id="rId4"/>
-    <p:sldId id="366" r:id="rId5"/>
-    <p:sldId id="348" r:id="rId6"/>
-    <p:sldId id="347" r:id="rId7"/>
-    <p:sldId id="406" r:id="rId8"/>
-    <p:sldId id="362" r:id="rId9"/>
-    <p:sldId id="413" r:id="rId10"/>
-    <p:sldId id="414" r:id="rId11"/>
-    <p:sldId id="363" r:id="rId12"/>
-    <p:sldId id="407" r:id="rId13"/>
-    <p:sldId id="405" r:id="rId14"/>
-    <p:sldId id="354" r:id="rId15"/>
-    <p:sldId id="408" r:id="rId16"/>
-    <p:sldId id="403" r:id="rId17"/>
-    <p:sldId id="404" r:id="rId18"/>
-    <p:sldId id="411" r:id="rId19"/>
-    <p:sldId id="412" r:id="rId20"/>
-    <p:sldId id="415" r:id="rId21"/>
+    <p:sldId id="416" r:id="rId4"/>
+    <p:sldId id="417" r:id="rId5"/>
+    <p:sldId id="261" r:id="rId6"/>
+    <p:sldId id="366" r:id="rId7"/>
+    <p:sldId id="348" r:id="rId8"/>
+    <p:sldId id="347" r:id="rId9"/>
+    <p:sldId id="406" r:id="rId10"/>
+    <p:sldId id="362" r:id="rId11"/>
+    <p:sldId id="413" r:id="rId12"/>
+    <p:sldId id="414" r:id="rId13"/>
+    <p:sldId id="363" r:id="rId14"/>
+    <p:sldId id="407" r:id="rId15"/>
+    <p:sldId id="405" r:id="rId16"/>
+    <p:sldId id="354" r:id="rId17"/>
+    <p:sldId id="408" r:id="rId18"/>
+    <p:sldId id="403" r:id="rId19"/>
+    <p:sldId id="404" r:id="rId20"/>
+    <p:sldId id="411" r:id="rId21"/>
+    <p:sldId id="412" r:id="rId22"/>
+    <p:sldId id="415" r:id="rId23"/>
   </p:sldIdLst>
   <p:sldSz cx="12192000" cy="6858000"/>
   <p:notesSz cx="6858000" cy="9144000"/>
@@ -216,7 +218,7 @@
           <a:p>
             <a:fld id="{3CBB8A52-8AC5-C74C-97FB-632C448F3674}" type="datetimeFigureOut">
               <a:rPr lang="en-US" smtClean="0"/>
-              <a:t>3/25/24</a:t>
+              <a:t>4/8/24</a:t>
             </a:fld>
             <a:endParaRPr lang="en-US"/>
           </a:p>
@@ -632,7 +634,7 @@
           <a:p>
             <a:fld id="{77F12483-E947-6F4E-A75E-B2E677827779}" type="slidenum">
               <a:rPr lang="en-US" smtClean="0"/>
-              <a:t>4</a:t>
+              <a:t>6</a:t>
             </a:fld>
             <a:endParaRPr lang="en-US"/>
           </a:p>
@@ -716,7 +718,7 @@
           <a:p>
             <a:fld id="{E666506D-5C9B-294C-B2AE-15ACE8B5B9F7}" type="slidenum">
               <a:rPr lang="en-US" smtClean="0"/>
-              <a:t>7</a:t>
+              <a:t>9</a:t>
             </a:fld>
             <a:endParaRPr lang="en-US"/>
           </a:p>
@@ -803,7 +805,7 @@
           <a:p>
             <a:fld id="{77F12483-E947-6F4E-A75E-B2E677827779}" type="slidenum">
               <a:rPr lang="en-US" smtClean="0"/>
-              <a:t>14</a:t>
+              <a:t>16</a:t>
             </a:fld>
             <a:endParaRPr lang="en-US"/>
           </a:p>
@@ -887,7 +889,7 @@
           <a:p>
             <a:fld id="{E666506D-5C9B-294C-B2AE-15ACE8B5B9F7}" type="slidenum">
               <a:rPr lang="en-US" smtClean="0"/>
-              <a:t>15</a:t>
+              <a:t>17</a:t>
             </a:fld>
             <a:endParaRPr lang="en-US"/>
           </a:p>
@@ -971,7 +973,7 @@
           <a:p>
             <a:fld id="{77F12483-E947-6F4E-A75E-B2E677827779}" type="slidenum">
               <a:rPr lang="en-US" smtClean="0"/>
-              <a:t>16</a:t>
+              <a:t>18</a:t>
             </a:fld>
             <a:endParaRPr lang="en-US"/>
           </a:p>
@@ -1058,7 +1060,7 @@
           <a:p>
             <a:fld id="{77F12483-E947-6F4E-A75E-B2E677827779}" type="slidenum">
               <a:rPr lang="en-US" smtClean="0"/>
-              <a:t>17</a:t>
+              <a:t>19</a:t>
             </a:fld>
             <a:endParaRPr lang="en-US"/>
           </a:p>
@@ -1145,7 +1147,7 @@
           <a:p>
             <a:fld id="{77F12483-E947-6F4E-A75E-B2E677827779}" type="slidenum">
               <a:rPr lang="en-US" smtClean="0"/>
-              <a:t>18</a:t>
+              <a:t>20</a:t>
             </a:fld>
             <a:endParaRPr lang="en-US"/>
           </a:p>
@@ -1249,7 +1251,7 @@
           <a:p>
             <a:fld id="{77F12483-E947-6F4E-A75E-B2E677827779}" type="slidenum">
               <a:rPr lang="en-US" smtClean="0"/>
-              <a:t>19</a:t>
+              <a:t>21</a:t>
             </a:fld>
             <a:endParaRPr lang="en-US"/>
           </a:p>
@@ -1493,7 +1495,7 @@
             <a:fld id="{5586B75A-687E-405C-8A0B-8D00578BA2C3}" type="datetimeFigureOut">
               <a:rPr lang="en-US" smtClean="0"/>
               <a:pPr/>
-              <a:t>3/25/24</a:t>
+              <a:t>4/8/24</a:t>
             </a:fld>
             <a:endParaRPr lang="en-US" dirty="0"/>
           </a:p>
@@ -1665,7 +1667,7 @@
             <a:fld id="{5586B75A-687E-405C-8A0B-8D00578BA2C3}" type="datetimeFigureOut">
               <a:rPr lang="en-US" smtClean="0"/>
               <a:pPr/>
-              <a:t>3/25/24</a:t>
+              <a:t>4/8/24</a:t>
             </a:fld>
             <a:endParaRPr lang="en-US" dirty="0"/>
           </a:p>
@@ -1847,7 +1849,7 @@
             <a:fld id="{5586B75A-687E-405C-8A0B-8D00578BA2C3}" type="datetimeFigureOut">
               <a:rPr lang="en-US" smtClean="0"/>
               <a:pPr/>
-              <a:t>3/25/24</a:t>
+              <a:t>4/8/24</a:t>
             </a:fld>
             <a:endParaRPr lang="en-US" dirty="0"/>
           </a:p>
@@ -2019,7 +2021,7 @@
             <a:fld id="{5586B75A-687E-405C-8A0B-8D00578BA2C3}" type="datetimeFigureOut">
               <a:rPr lang="en-US" smtClean="0"/>
               <a:pPr/>
-              <a:t>3/25/24</a:t>
+              <a:t>4/8/24</a:t>
             </a:fld>
             <a:endParaRPr lang="en-US" dirty="0"/>
           </a:p>
@@ -2275,7 +2277,7 @@
             <a:fld id="{5586B75A-687E-405C-8A0B-8D00578BA2C3}" type="datetimeFigureOut">
               <a:rPr lang="en-US" smtClean="0"/>
               <a:pPr/>
-              <a:t>3/25/24</a:t>
+              <a:t>4/8/24</a:t>
             </a:fld>
             <a:endParaRPr lang="en-US" dirty="0"/>
           </a:p>
@@ -2565,7 +2567,7 @@
             <a:fld id="{5586B75A-687E-405C-8A0B-8D00578BA2C3}" type="datetimeFigureOut">
               <a:rPr lang="en-US" smtClean="0"/>
               <a:pPr/>
-              <a:t>3/25/24</a:t>
+              <a:t>4/8/24</a:t>
             </a:fld>
             <a:endParaRPr lang="en-US" dirty="0"/>
           </a:p>
@@ -3009,7 +3011,7 @@
             <a:fld id="{5586B75A-687E-405C-8A0B-8D00578BA2C3}" type="datetimeFigureOut">
               <a:rPr lang="en-US" smtClean="0"/>
               <a:pPr/>
-              <a:t>3/25/24</a:t>
+              <a:t>4/8/24</a:t>
             </a:fld>
             <a:endParaRPr lang="en-US" dirty="0"/>
           </a:p>
@@ -3129,7 +3131,7 @@
             <a:fld id="{5586B75A-687E-405C-8A0B-8D00578BA2C3}" type="datetimeFigureOut">
               <a:rPr lang="en-US" smtClean="0"/>
               <a:pPr/>
-              <a:t>3/25/24</a:t>
+              <a:t>4/8/24</a:t>
             </a:fld>
             <a:endParaRPr lang="en-US" dirty="0"/>
           </a:p>
@@ -3226,7 +3228,7 @@
             <a:fld id="{5586B75A-687E-405C-8A0B-8D00578BA2C3}" type="datetimeFigureOut">
               <a:rPr lang="en-US" smtClean="0"/>
               <a:pPr/>
-              <a:t>3/25/24</a:t>
+              <a:t>4/8/24</a:t>
             </a:fld>
             <a:endParaRPr lang="en-US" dirty="0"/>
           </a:p>
@@ -3516,7 +3518,7 @@
             <a:fld id="{5586B75A-687E-405C-8A0B-8D00578BA2C3}" type="datetimeFigureOut">
               <a:rPr lang="en-US" smtClean="0"/>
               <a:pPr/>
-              <a:t>3/25/24</a:t>
+              <a:t>4/8/24</a:t>
             </a:fld>
             <a:endParaRPr lang="en-US" dirty="0"/>
           </a:p>
@@ -3791,7 +3793,7 @@
             <a:fld id="{5586B75A-687E-405C-8A0B-8D00578BA2C3}" type="datetimeFigureOut">
               <a:rPr lang="en-US" smtClean="0"/>
               <a:pPr/>
-              <a:t>3/25/24</a:t>
+              <a:t>4/8/24</a:t>
             </a:fld>
             <a:endParaRPr lang="en-US" dirty="0"/>
           </a:p>
@@ -4090,7 +4092,7 @@
             <a:fld id="{5586B75A-687E-405C-8A0B-8D00578BA2C3}" type="datetimeFigureOut">
               <a:rPr lang="en-US" smtClean="0"/>
               <a:pPr/>
-              <a:t>3/25/24</a:t>
+              <a:t>4/8/24</a:t>
             </a:fld>
             <a:endParaRPr lang="en-US" dirty="0"/>
           </a:p>
@@ -4763,6 +4765,214 @@
             <a:endParaRPr lang="en-US" sz="2400" dirty="0"/>
           </a:p>
           <a:p>
+            <a:endParaRPr lang="en-US" sz="2400" dirty="0"/>
+          </a:p>
+        </p:txBody>
+      </p:sp>
+    </p:spTree>
+    <p:extLst>
+      <p:ext uri="{BB962C8B-B14F-4D97-AF65-F5344CB8AC3E}">
+        <p14:creationId xmlns:p14="http://schemas.microsoft.com/office/powerpoint/2010/main" val="1669127540"/>
+      </p:ext>
+    </p:extLst>
+  </p:cSld>
+  <p:clrMapOvr>
+    <a:masterClrMapping/>
+  </p:clrMapOvr>
+</p:sld>
+</file>
+
+<file path=ppt/slides/slide11.xml><?xml version="1.0" encoding="utf-8"?>
+<p:sld xmlns:a="http://schemas.openxmlformats.org/drawingml/2006/main" xmlns:r="http://schemas.openxmlformats.org/officeDocument/2006/relationships" xmlns:p="http://schemas.openxmlformats.org/presentationml/2006/main">
+  <p:cSld>
+    <p:spTree>
+      <p:nvGrpSpPr>
+        <p:cNvPr id="1" name=""/>
+        <p:cNvGrpSpPr/>
+        <p:nvPr/>
+      </p:nvGrpSpPr>
+      <p:grpSpPr>
+        <a:xfrm>
+          <a:off x="0" y="0"/>
+          <a:ext cx="0" cy="0"/>
+          <a:chOff x="0" y="0"/>
+          <a:chExt cx="0" cy="0"/>
+        </a:xfrm>
+      </p:grpSpPr>
+      <p:sp>
+        <p:nvSpPr>
+          <p:cNvPr id="2" name="Title 1"/>
+          <p:cNvSpPr>
+            <a:spLocks noGrp="1"/>
+          </p:cNvSpPr>
+          <p:nvPr>
+            <p:ph type="title"/>
+          </p:nvPr>
+        </p:nvSpPr>
+        <p:spPr/>
+        <p:txBody>
+          <a:bodyPr/>
+          <a:lstStyle/>
+          <a:p>
+            <a:r>
+              <a:rPr lang="en-US" dirty="0"/>
+              <a:t>Interaction (def.)</a:t>
+            </a:r>
+          </a:p>
+        </p:txBody>
+      </p:sp>
+      <p:sp>
+        <p:nvSpPr>
+          <p:cNvPr id="6" name="Content Placeholder 5"/>
+          <p:cNvSpPr>
+            <a:spLocks noGrp="1"/>
+          </p:cNvSpPr>
+          <p:nvPr>
+            <p:ph idx="1"/>
+          </p:nvPr>
+        </p:nvSpPr>
+        <p:spPr/>
+        <p:txBody>
+          <a:bodyPr>
+            <a:normAutofit/>
+          </a:bodyPr>
+          <a:lstStyle/>
+          <a:p>
+            <a:r>
+              <a:rPr lang="en-US" sz="2400" dirty="0"/>
+              <a:t>Ways for the user to </a:t>
+            </a:r>
+            <a:r>
+              <a:rPr lang="en-US" sz="2400" b="1" dirty="0"/>
+              <a:t>affect change </a:t>
+            </a:r>
+            <a:r>
+              <a:rPr lang="en-US" sz="2400" dirty="0"/>
+              <a:t>in what’s happening in the program</a:t>
+            </a:r>
+          </a:p>
+          <a:p>
+            <a:endParaRPr lang="en-US" sz="2400" dirty="0"/>
+          </a:p>
+          <a:p>
+            <a:r>
+              <a:rPr lang="en-US" sz="2400" dirty="0"/>
+              <a:t>Low level: </a:t>
+            </a:r>
+            <a:r>
+              <a:rPr lang="en-US" sz="2400" b="1" dirty="0"/>
+              <a:t>between human and interface</a:t>
+            </a:r>
+          </a:p>
+          <a:p>
+            <a:pPr marL="742950" lvl="1" indent="-342900"/>
+            <a:r>
+              <a:rPr lang="en-US" sz="2000" dirty="0"/>
+              <a:t>the set of operations available</a:t>
+            </a:r>
+          </a:p>
+          <a:p>
+            <a:pPr marL="742950" lvl="1" indent="-342900"/>
+            <a:r>
+              <a:rPr lang="en-US" sz="2000" dirty="0"/>
+              <a:t>happens between the human and the physical computer</a:t>
+            </a:r>
+          </a:p>
+          <a:p>
+            <a:pPr marL="468630" indent="-342900"/>
+            <a:endParaRPr lang="en-US" sz="2400" dirty="0"/>
+          </a:p>
+          <a:p>
+            <a:endParaRPr lang="en-US" sz="2400" dirty="0"/>
+          </a:p>
+        </p:txBody>
+      </p:sp>
+    </p:spTree>
+    <p:extLst>
+      <p:ext uri="{BB962C8B-B14F-4D97-AF65-F5344CB8AC3E}">
+        <p14:creationId xmlns:p14="http://schemas.microsoft.com/office/powerpoint/2010/main" val="744303978"/>
+      </p:ext>
+    </p:extLst>
+  </p:cSld>
+  <p:clrMapOvr>
+    <a:masterClrMapping/>
+  </p:clrMapOvr>
+</p:sld>
+</file>
+
+<file path=ppt/slides/slide12.xml><?xml version="1.0" encoding="utf-8"?>
+<p:sld xmlns:a="http://schemas.openxmlformats.org/drawingml/2006/main" xmlns:r="http://schemas.openxmlformats.org/officeDocument/2006/relationships" xmlns:p="http://schemas.openxmlformats.org/presentationml/2006/main">
+  <p:cSld>
+    <p:spTree>
+      <p:nvGrpSpPr>
+        <p:cNvPr id="1" name=""/>
+        <p:cNvGrpSpPr/>
+        <p:nvPr/>
+      </p:nvGrpSpPr>
+      <p:grpSpPr>
+        <a:xfrm>
+          <a:off x="0" y="0"/>
+          <a:ext cx="0" cy="0"/>
+          <a:chOff x="0" y="0"/>
+          <a:chExt cx="0" cy="0"/>
+        </a:xfrm>
+      </p:grpSpPr>
+      <p:sp>
+        <p:nvSpPr>
+          <p:cNvPr id="2" name="Title 1"/>
+          <p:cNvSpPr>
+            <a:spLocks noGrp="1"/>
+          </p:cNvSpPr>
+          <p:nvPr>
+            <p:ph type="title"/>
+          </p:nvPr>
+        </p:nvSpPr>
+        <p:spPr/>
+        <p:txBody>
+          <a:bodyPr/>
+          <a:lstStyle/>
+          <a:p>
+            <a:r>
+              <a:rPr lang="en-US" dirty="0"/>
+              <a:t>Interaction (def.)</a:t>
+            </a:r>
+          </a:p>
+        </p:txBody>
+      </p:sp>
+      <p:sp>
+        <p:nvSpPr>
+          <p:cNvPr id="6" name="Content Placeholder 5"/>
+          <p:cNvSpPr>
+            <a:spLocks noGrp="1"/>
+          </p:cNvSpPr>
+          <p:nvPr>
+            <p:ph idx="1"/>
+          </p:nvPr>
+        </p:nvSpPr>
+        <p:spPr/>
+        <p:txBody>
+          <a:bodyPr>
+            <a:normAutofit/>
+          </a:bodyPr>
+          <a:lstStyle/>
+          <a:p>
+            <a:r>
+              <a:rPr lang="en-US" sz="2400" dirty="0"/>
+              <a:t>Ways for the user to </a:t>
+            </a:r>
+            <a:r>
+              <a:rPr lang="en-US" sz="2400" b="1" dirty="0"/>
+              <a:t>affect change </a:t>
+            </a:r>
+            <a:r>
+              <a:rPr lang="en-US" sz="2400" dirty="0"/>
+              <a:t>in what’s happening in the program</a:t>
+            </a:r>
+          </a:p>
+          <a:p>
+            <a:endParaRPr lang="en-US" sz="2400" dirty="0"/>
+          </a:p>
+          <a:p>
             <a:r>
               <a:rPr lang="en-US" sz="2400" dirty="0"/>
               <a:t>Low level: </a:t>
@@ -4841,7 +5051,7 @@
 </p:sld>
 </file>
 
-<file path=ppt/slides/slide11.xml><?xml version="1.0" encoding="utf-8"?>
+<file path=ppt/slides/slide13.xml><?xml version="1.0" encoding="utf-8"?>
 <p:sld xmlns:a="http://schemas.openxmlformats.org/drawingml/2006/main" xmlns:r="http://schemas.openxmlformats.org/officeDocument/2006/relationships" xmlns:p="http://schemas.openxmlformats.org/presentationml/2006/main">
   <p:cSld>
     <p:spTree>
@@ -5176,7 +5386,7 @@
 </p:sld>
 </file>
 
-<file path=ppt/slides/slide12.xml><?xml version="1.0" encoding="utf-8"?>
+<file path=ppt/slides/slide14.xml><?xml version="1.0" encoding="utf-8"?>
 <p:sld xmlns:a="http://schemas.openxmlformats.org/drawingml/2006/main" xmlns:r="http://schemas.openxmlformats.org/officeDocument/2006/relationships" xmlns:p="http://schemas.openxmlformats.org/presentationml/2006/main">
   <p:cSld>
     <p:spTree>
@@ -5371,7 +5581,7 @@
 </p:sld>
 </file>
 
-<file path=ppt/slides/slide13.xml><?xml version="1.0" encoding="utf-8"?>
+<file path=ppt/slides/slide15.xml><?xml version="1.0" encoding="utf-8"?>
 <p:sld xmlns:a="http://schemas.openxmlformats.org/drawingml/2006/main" xmlns:r="http://schemas.openxmlformats.org/officeDocument/2006/relationships" xmlns:p="http://schemas.openxmlformats.org/presentationml/2006/main">
   <p:cSld>
     <p:spTree>
@@ -5637,7 +5847,7 @@
 </p:sld>
 </file>
 
-<file path=ppt/slides/slide14.xml><?xml version="1.0" encoding="utf-8"?>
+<file path=ppt/slides/slide16.xml><?xml version="1.0" encoding="utf-8"?>
 <p:sld xmlns:a="http://schemas.openxmlformats.org/drawingml/2006/main" xmlns:r="http://schemas.openxmlformats.org/officeDocument/2006/relationships" xmlns:p="http://schemas.openxmlformats.org/presentationml/2006/main">
   <p:cSld>
     <p:spTree>
@@ -5798,7 +6008,7 @@
 </p:sld>
 </file>
 
-<file path=ppt/slides/slide15.xml><?xml version="1.0" encoding="utf-8"?>
+<file path=ppt/slides/slide17.xml><?xml version="1.0" encoding="utf-8"?>
 <p:sld xmlns:a="http://schemas.openxmlformats.org/drawingml/2006/main" xmlns:r="http://schemas.openxmlformats.org/officeDocument/2006/relationships" xmlns:p="http://schemas.openxmlformats.org/presentationml/2006/main">
   <p:cSld>
     <p:spTree>
@@ -6528,7 +6738,7 @@
 </p:sld>
 </file>
 
-<file path=ppt/slides/slide16.xml><?xml version="1.0" encoding="utf-8"?>
+<file path=ppt/slides/slide18.xml><?xml version="1.0" encoding="utf-8"?>
 <p:sld xmlns:a="http://schemas.openxmlformats.org/drawingml/2006/main" xmlns:r="http://schemas.openxmlformats.org/officeDocument/2006/relationships" xmlns:p="http://schemas.openxmlformats.org/presentationml/2006/main">
   <p:cSld>
     <p:spTree>
@@ -6636,7 +6846,7 @@
 </p:sld>
 </file>
 
-<file path=ppt/slides/slide17.xml><?xml version="1.0" encoding="utf-8"?>
+<file path=ppt/slides/slide19.xml><?xml version="1.0" encoding="utf-8"?>
 <p:sld xmlns:a="http://schemas.openxmlformats.org/drawingml/2006/main" xmlns:r="http://schemas.openxmlformats.org/officeDocument/2006/relationships" xmlns:p="http://schemas.openxmlformats.org/presentationml/2006/main">
   <p:cSld>
     <p:spTree>
@@ -6754,7 +6964,127 @@
 </p:sld>
 </file>
 
-<file path=ppt/slides/slide18.xml><?xml version="1.0" encoding="utf-8"?>
+<file path=ppt/slides/slide2.xml><?xml version="1.0" encoding="utf-8"?>
+<p:sld xmlns:a="http://schemas.openxmlformats.org/drawingml/2006/main" xmlns:r="http://schemas.openxmlformats.org/officeDocument/2006/relationships" xmlns:p="http://schemas.openxmlformats.org/presentationml/2006/main">
+  <p:cSld>
+    <p:spTree>
+      <p:nvGrpSpPr>
+        <p:cNvPr id="1" name=""/>
+        <p:cNvGrpSpPr/>
+        <p:nvPr/>
+      </p:nvGrpSpPr>
+      <p:grpSpPr>
+        <a:xfrm>
+          <a:off x="0" y="0"/>
+          <a:ext cx="0" cy="0"/>
+          <a:chOff x="0" y="0"/>
+          <a:chExt cx="0" cy="0"/>
+        </a:xfrm>
+      </p:grpSpPr>
+      <p:sp>
+        <p:nvSpPr>
+          <p:cNvPr id="2" name="Title 1">
+            <a:extLst>
+              <a:ext uri="{FF2B5EF4-FFF2-40B4-BE49-F238E27FC236}">
+                <a16:creationId xmlns:a16="http://schemas.microsoft.com/office/drawing/2014/main" id="{DAD90AC6-BF83-6449-B8B6-739FD187F4F0}"/>
+              </a:ext>
+            </a:extLst>
+          </p:cNvPr>
+          <p:cNvSpPr>
+            <a:spLocks noGrp="1"/>
+          </p:cNvSpPr>
+          <p:nvPr>
+            <p:ph type="title"/>
+          </p:nvPr>
+        </p:nvSpPr>
+        <p:spPr/>
+        <p:txBody>
+          <a:bodyPr/>
+          <a:lstStyle/>
+          <a:p>
+            <a:r>
+              <a:rPr lang="en-US" dirty="0"/>
+              <a:t>Plan for Today</a:t>
+            </a:r>
+          </a:p>
+        </p:txBody>
+      </p:sp>
+      <p:sp>
+        <p:nvSpPr>
+          <p:cNvPr id="3" name="Content Placeholder 2">
+            <a:extLst>
+              <a:ext uri="{FF2B5EF4-FFF2-40B4-BE49-F238E27FC236}">
+                <a16:creationId xmlns:a16="http://schemas.microsoft.com/office/drawing/2014/main" id="{B1B0978F-9C7D-8B48-9B4A-6F3B3EE120B2}"/>
+              </a:ext>
+            </a:extLst>
+          </p:cNvPr>
+          <p:cNvSpPr>
+            <a:spLocks noGrp="1"/>
+          </p:cNvSpPr>
+          <p:nvPr>
+            <p:ph idx="1"/>
+          </p:nvPr>
+        </p:nvSpPr>
+        <p:spPr/>
+        <p:txBody>
+          <a:bodyPr>
+            <a:normAutofit/>
+          </a:bodyPr>
+          <a:lstStyle/>
+          <a:p>
+            <a:r>
+              <a:rPr lang="en-US" sz="2800" dirty="0">
+                <a:latin typeface="Arial" panose="020B0604020202020204" pitchFamily="34" charset="0"/>
+                <a:cs typeface="Arial" panose="020B0604020202020204" pitchFamily="34" charset="0"/>
+              </a:rPr>
+              <a:t>Project proposal check-in </a:t>
+            </a:r>
+          </a:p>
+          <a:p>
+            <a:r>
+              <a:rPr lang="en-US" sz="2800" dirty="0">
+                <a:latin typeface="Arial" panose="020B0604020202020204" pitchFamily="34" charset="0"/>
+                <a:cs typeface="Arial" panose="020B0604020202020204" pitchFamily="34" charset="0"/>
+              </a:rPr>
+              <a:t>Interaction basics</a:t>
+            </a:r>
+          </a:p>
+          <a:p>
+            <a:pPr lvl="1"/>
+            <a:r>
+              <a:rPr lang="en-US" sz="2400" dirty="0">
+                <a:latin typeface="Arial" panose="020B0604020202020204" pitchFamily="34" charset="0"/>
+                <a:cs typeface="Arial" panose="020B0604020202020204" pitchFamily="34" charset="0"/>
+              </a:rPr>
+              <a:t>mouse</a:t>
+            </a:r>
+          </a:p>
+          <a:p>
+            <a:pPr lvl="1"/>
+            <a:r>
+              <a:rPr lang="en-US" sz="2400" dirty="0">
+                <a:latin typeface="Arial" panose="020B0604020202020204" pitchFamily="34" charset="0"/>
+                <a:cs typeface="Arial" panose="020B0604020202020204" pitchFamily="34" charset="0"/>
+              </a:rPr>
+              <a:t>keyboard</a:t>
+            </a:r>
+          </a:p>
+        </p:txBody>
+      </p:sp>
+    </p:spTree>
+    <p:extLst>
+      <p:ext uri="{BB962C8B-B14F-4D97-AF65-F5344CB8AC3E}">
+        <p14:creationId xmlns:p14="http://schemas.microsoft.com/office/powerpoint/2010/main" val="4250095247"/>
+      </p:ext>
+    </p:extLst>
+  </p:cSld>
+  <p:clrMapOvr>
+    <a:masterClrMapping/>
+  </p:clrMapOvr>
+</p:sld>
+</file>
+
+<file path=ppt/slides/slide20.xml><?xml version="1.0" encoding="utf-8"?>
 <p:sld xmlns:a="http://schemas.openxmlformats.org/drawingml/2006/main" xmlns:r="http://schemas.openxmlformats.org/officeDocument/2006/relationships" xmlns:p="http://schemas.openxmlformats.org/presentationml/2006/main">
   <p:cSld>
     <p:spTree>
@@ -7113,7 +7443,7 @@
 </p:sld>
 </file>
 
-<file path=ppt/slides/slide19.xml><?xml version="1.0" encoding="utf-8"?>
+<file path=ppt/slides/slide21.xml><?xml version="1.0" encoding="utf-8"?>
 <p:sld xmlns:a="http://schemas.openxmlformats.org/drawingml/2006/main" xmlns:r="http://schemas.openxmlformats.org/officeDocument/2006/relationships" xmlns:p="http://schemas.openxmlformats.org/presentationml/2006/main">
   <p:cSld>
     <p:spTree>
@@ -7692,7 +8022,7 @@
 </p:sld>
 </file>
 
-<file path=ppt/slides/slide2.xml><?xml version="1.0" encoding="utf-8"?>
+<file path=ppt/slides/slide22.xml><?xml version="1.0" encoding="utf-8"?>
 <p:sld xmlns:a="http://schemas.openxmlformats.org/drawingml/2006/main" xmlns:r="http://schemas.openxmlformats.org/officeDocument/2006/relationships" xmlns:p="http://schemas.openxmlformats.org/presentationml/2006/main">
   <p:cSld>
     <p:spTree>
@@ -7714,7 +8044,7 @@
           <p:cNvPr id="2" name="Title 1">
             <a:extLst>
               <a:ext uri="{FF2B5EF4-FFF2-40B4-BE49-F238E27FC236}">
-                <a16:creationId xmlns:a16="http://schemas.microsoft.com/office/drawing/2014/main" id="{DAD90AC6-BF83-6449-B8B6-739FD187F4F0}"/>
+                <a16:creationId xmlns:a16="http://schemas.microsoft.com/office/drawing/2014/main" id="{C08BFDE4-730A-16CA-E73E-274E380A837D}"/>
               </a:ext>
             </a:extLst>
           </p:cNvPr>
@@ -7732,7 +8062,7 @@
           <a:p>
             <a:r>
               <a:rPr lang="en-US" dirty="0"/>
-              <a:t>Plan for Today</a:t>
+              <a:t>Activity: Fish Tank </a:t>
             </a:r>
           </a:p>
         </p:txBody>
@@ -7742,7 +8072,7 @@
           <p:cNvPr id="3" name="Content Placeholder 2">
             <a:extLst>
               <a:ext uri="{FF2B5EF4-FFF2-40B4-BE49-F238E27FC236}">
-                <a16:creationId xmlns:a16="http://schemas.microsoft.com/office/drawing/2014/main" id="{B1B0978F-9C7D-8B48-9B4A-6F3B3EE120B2}"/>
+                <a16:creationId xmlns:a16="http://schemas.microsoft.com/office/drawing/2014/main" id="{21C63F97-599A-B9A6-95B3-7D22CC32205D}"/>
               </a:ext>
             </a:extLst>
           </p:cNvPr>
@@ -7761,39 +8091,33 @@
           <a:lstStyle/>
           <a:p>
             <a:r>
-              <a:rPr lang="en-US" sz="2800" dirty="0">
-                <a:latin typeface="Arial" panose="020B0604020202020204" pitchFamily="34" charset="0"/>
-                <a:cs typeface="Arial" panose="020B0604020202020204" pitchFamily="34" charset="0"/>
-              </a:rPr>
-              <a:t>Interaction basics</a:t>
-            </a:r>
-          </a:p>
-          <a:p>
-            <a:pPr lvl="1"/>
-            <a:r>
-              <a:rPr lang="en-US" sz="2400" dirty="0">
-                <a:latin typeface="Arial" panose="020B0604020202020204" pitchFamily="34" charset="0"/>
-                <a:cs typeface="Arial" panose="020B0604020202020204" pitchFamily="34" charset="0"/>
-              </a:rPr>
-              <a:t>mouse</a:t>
-            </a:r>
-          </a:p>
-          <a:p>
-            <a:pPr lvl="1"/>
-            <a:r>
-              <a:rPr lang="en-US" sz="2400" dirty="0">
-                <a:latin typeface="Arial" panose="020B0604020202020204" pitchFamily="34" charset="0"/>
-                <a:cs typeface="Arial" panose="020B0604020202020204" pitchFamily="34" charset="0"/>
-              </a:rPr>
-              <a:t>keyboard</a:t>
-            </a:r>
+              <a:rPr lang="en-US" sz="2400" dirty="0"/>
+              <a:t>Challenge 1: Quit when the user presses “q”</a:t>
+            </a:r>
+          </a:p>
+          <a:p>
+            <a:r>
+              <a:rPr lang="en-US" sz="2400" dirty="0"/>
+              <a:t>Challenge 2: Add a fish wherever the user clicks</a:t>
+            </a:r>
+          </a:p>
+          <a:p>
+            <a:r>
+              <a:rPr lang="en-US" sz="2400" dirty="0"/>
+              <a:t>Challenge 3: If the user presses the space bar, have all the fish swim to the nearest edge of </a:t>
+            </a:r>
+            <a:r>
+              <a:rPr lang="en-US" sz="2400"/>
+              <a:t>the screen</a:t>
+            </a:r>
+            <a:endParaRPr lang="en-US" sz="2400" dirty="0"/>
           </a:p>
         </p:txBody>
       </p:sp>
     </p:spTree>
     <p:extLst>
       <p:ext uri="{BB962C8B-B14F-4D97-AF65-F5344CB8AC3E}">
-        <p14:creationId xmlns:p14="http://schemas.microsoft.com/office/powerpoint/2010/main" val="4250095247"/>
+        <p14:creationId xmlns:p14="http://schemas.microsoft.com/office/powerpoint/2010/main" val="1595233473"/>
       </p:ext>
     </p:extLst>
   </p:cSld>
@@ -7803,7 +8127,7 @@
 </p:sld>
 </file>
 
-<file path=ppt/slides/slide20.xml><?xml version="1.0" encoding="utf-8"?>
+<file path=ppt/slides/slide3.xml><?xml version="1.0" encoding="utf-8"?>
 <p:sld xmlns:a="http://schemas.openxmlformats.org/drawingml/2006/main" xmlns:r="http://schemas.openxmlformats.org/officeDocument/2006/relationships" xmlns:p="http://schemas.openxmlformats.org/presentationml/2006/main">
   <p:cSld>
     <p:spTree>
@@ -7825,7 +8149,7 @@
           <p:cNvPr id="2" name="Title 1">
             <a:extLst>
               <a:ext uri="{FF2B5EF4-FFF2-40B4-BE49-F238E27FC236}">
-                <a16:creationId xmlns:a16="http://schemas.microsoft.com/office/drawing/2014/main" id="{C08BFDE4-730A-16CA-E73E-274E380A837D}"/>
+                <a16:creationId xmlns:a16="http://schemas.microsoft.com/office/drawing/2014/main" id="{DAD90AC6-BF83-6449-B8B6-739FD187F4F0}"/>
               </a:ext>
             </a:extLst>
           </p:cNvPr>
@@ -7843,17 +8167,17 @@
           <a:p>
             <a:r>
               <a:rPr lang="en-US" dirty="0"/>
-              <a:t>Activity: Fish Tank </a:t>
-            </a:r>
-          </a:p>
-        </p:txBody>
-      </p:sp>
-      <p:sp>
-        <p:nvSpPr>
-          <p:cNvPr id="3" name="Content Placeholder 2">
+              <a:t>User Centered-Design and Prototyping</a:t>
+            </a:r>
+          </a:p>
+        </p:txBody>
+      </p:sp>
+      <p:sp>
+        <p:nvSpPr>
+          <p:cNvPr id="28" name="Content Placeholder 2">
             <a:extLst>
               <a:ext uri="{FF2B5EF4-FFF2-40B4-BE49-F238E27FC236}">
-                <a16:creationId xmlns:a16="http://schemas.microsoft.com/office/drawing/2014/main" id="{21C63F97-599A-B9A6-95B3-7D22CC32205D}"/>
+                <a16:creationId xmlns:a16="http://schemas.microsoft.com/office/drawing/2014/main" id="{4903499A-686C-BFA6-7C43-1FD68C333B95}"/>
               </a:ext>
             </a:extLst>
           </p:cNvPr>
@@ -7864,7 +8188,12 @@
             <p:ph idx="1"/>
           </p:nvPr>
         </p:nvSpPr>
-        <p:spPr/>
+        <p:spPr>
+          <a:xfrm>
+            <a:off x="3869268" y="864108"/>
+            <a:ext cx="7315200" cy="5120640"/>
+          </a:xfrm>
+        </p:spPr>
         <p:txBody>
           <a:bodyPr>
             <a:normAutofit/>
@@ -7872,33 +8201,23 @@
           <a:lstStyle/>
           <a:p>
             <a:r>
-              <a:rPr lang="en-US" sz="2400" dirty="0"/>
-              <a:t>Challenge 1: Quit when the user presses “q”</a:t>
-            </a:r>
-          </a:p>
-          <a:p>
-            <a:r>
-              <a:rPr lang="en-US" sz="2400" dirty="0"/>
-              <a:t>Challenge 2: Add a fish wherever the user clicks</a:t>
-            </a:r>
-          </a:p>
-          <a:p>
-            <a:r>
-              <a:rPr lang="en-US" sz="2400" dirty="0"/>
-              <a:t>Challenge 3: If the user presses the space bar, have all the fish swim to the nearest edge of </a:t>
-            </a:r>
-            <a:r>
-              <a:rPr lang="en-US" sz="2400"/>
-              <a:t>the screen</a:t>
-            </a:r>
-            <a:endParaRPr lang="en-US" sz="2400" dirty="0"/>
+              <a:rPr lang="en-US" sz="2800" dirty="0">
+                <a:latin typeface="Arial" panose="020B0604020202020204" pitchFamily="34" charset="0"/>
+                <a:cs typeface="Arial" panose="020B0604020202020204" pitchFamily="34" charset="0"/>
+              </a:rPr>
+              <a:t>Lingering Questions?</a:t>
+            </a:r>
+            <a:endParaRPr lang="en-US" sz="2400" dirty="0">
+              <a:latin typeface="Arial" panose="020B0604020202020204" pitchFamily="34" charset="0"/>
+              <a:cs typeface="Arial" panose="020B0604020202020204" pitchFamily="34" charset="0"/>
+            </a:endParaRPr>
           </a:p>
         </p:txBody>
       </p:sp>
     </p:spTree>
     <p:extLst>
       <p:ext uri="{BB962C8B-B14F-4D97-AF65-F5344CB8AC3E}">
-        <p14:creationId xmlns:p14="http://schemas.microsoft.com/office/powerpoint/2010/main" val="1595233473"/>
+        <p14:creationId xmlns:p14="http://schemas.microsoft.com/office/powerpoint/2010/main" val="3628592058"/>
       </p:ext>
     </p:extLst>
   </p:cSld>
@@ -7908,7 +8227,1202 @@
 </p:sld>
 </file>
 
-<file path=ppt/slides/slide3.xml><?xml version="1.0" encoding="utf-8"?>
+<file path=ppt/slides/slide4.xml><?xml version="1.0" encoding="utf-8"?>
+<p:sld xmlns:a="http://schemas.openxmlformats.org/drawingml/2006/main" xmlns:r="http://schemas.openxmlformats.org/officeDocument/2006/relationships" xmlns:p="http://schemas.openxmlformats.org/presentationml/2006/main">
+  <p:cSld>
+    <p:spTree>
+      <p:nvGrpSpPr>
+        <p:cNvPr id="1" name=""/>
+        <p:cNvGrpSpPr/>
+        <p:nvPr/>
+      </p:nvGrpSpPr>
+      <p:grpSpPr>
+        <a:xfrm>
+          <a:off x="0" y="0"/>
+          <a:ext cx="0" cy="0"/>
+          <a:chOff x="0" y="0"/>
+          <a:chExt cx="0" cy="0"/>
+        </a:xfrm>
+      </p:grpSpPr>
+      <p:sp>
+        <p:nvSpPr>
+          <p:cNvPr id="2" name="Title 1">
+            <a:extLst>
+              <a:ext uri="{FF2B5EF4-FFF2-40B4-BE49-F238E27FC236}">
+                <a16:creationId xmlns:a16="http://schemas.microsoft.com/office/drawing/2014/main" id="{DAD90AC6-BF83-6449-B8B6-739FD187F4F0}"/>
+              </a:ext>
+            </a:extLst>
+          </p:cNvPr>
+          <p:cNvSpPr>
+            <a:spLocks noGrp="1"/>
+          </p:cNvSpPr>
+          <p:nvPr>
+            <p:ph type="title"/>
+          </p:nvPr>
+        </p:nvSpPr>
+        <p:spPr/>
+        <p:txBody>
+          <a:bodyPr/>
+          <a:lstStyle/>
+          <a:p>
+            <a:r>
+              <a:rPr lang="en-US" dirty="0"/>
+              <a:t>Proposal Check-in</a:t>
+            </a:r>
+          </a:p>
+        </p:txBody>
+      </p:sp>
+      <p:sp>
+        <p:nvSpPr>
+          <p:cNvPr id="3" name="Content Placeholder 2">
+            <a:extLst>
+              <a:ext uri="{FF2B5EF4-FFF2-40B4-BE49-F238E27FC236}">
+                <a16:creationId xmlns:a16="http://schemas.microsoft.com/office/drawing/2014/main" id="{B1B0978F-9C7D-8B48-9B4A-6F3B3EE120B2}"/>
+              </a:ext>
+            </a:extLst>
+          </p:cNvPr>
+          <p:cNvSpPr>
+            <a:spLocks noGrp="1"/>
+          </p:cNvSpPr>
+          <p:nvPr>
+            <p:ph idx="1"/>
+          </p:nvPr>
+        </p:nvSpPr>
+        <p:spPr>
+          <a:xfrm>
+            <a:off x="3869268" y="864107"/>
+            <a:ext cx="7298404" cy="5656613"/>
+          </a:xfrm>
+        </p:spPr>
+        <p:txBody>
+          <a:bodyPr anchor="t">
+            <a:normAutofit/>
+          </a:bodyPr>
+          <a:lstStyle/>
+          <a:p>
+            <a:r>
+              <a:rPr lang="en-US" sz="2800" dirty="0">
+                <a:latin typeface="Arial" panose="020B0604020202020204" pitchFamily="34" charset="0"/>
+                <a:cs typeface="Arial" panose="020B0604020202020204" pitchFamily="34" charset="0"/>
+              </a:rPr>
+              <a:t>Work on the animated fish from last class while I come around to check-in on project proposals </a:t>
+            </a:r>
+          </a:p>
+          <a:p>
+            <a:endParaRPr lang="en-US" sz="2800" dirty="0">
+              <a:latin typeface="Arial" panose="020B0604020202020204" pitchFamily="34" charset="0"/>
+              <a:cs typeface="Arial" panose="020B0604020202020204" pitchFamily="34" charset="0"/>
+            </a:endParaRPr>
+          </a:p>
+          <a:p>
+            <a:endParaRPr lang="en-US" sz="2800" dirty="0">
+              <a:latin typeface="Arial" panose="020B0604020202020204" pitchFamily="34" charset="0"/>
+              <a:cs typeface="Arial" panose="020B0604020202020204" pitchFamily="34" charset="0"/>
+            </a:endParaRPr>
+          </a:p>
+          <a:p>
+            <a:endParaRPr lang="en-US" sz="2800" dirty="0">
+              <a:latin typeface="Arial" panose="020B0604020202020204" pitchFamily="34" charset="0"/>
+              <a:cs typeface="Arial" panose="020B0604020202020204" pitchFamily="34" charset="0"/>
+            </a:endParaRPr>
+          </a:p>
+          <a:p>
+            <a:endParaRPr lang="en-US" sz="2800" dirty="0">
+              <a:latin typeface="Arial" panose="020B0604020202020204" pitchFamily="34" charset="0"/>
+              <a:cs typeface="Arial" panose="020B0604020202020204" pitchFamily="34" charset="0"/>
+            </a:endParaRPr>
+          </a:p>
+          <a:p>
+            <a:endParaRPr lang="en-US" sz="2800" dirty="0">
+              <a:latin typeface="Arial" panose="020B0604020202020204" pitchFamily="34" charset="0"/>
+              <a:cs typeface="Arial" panose="020B0604020202020204" pitchFamily="34" charset="0"/>
+            </a:endParaRPr>
+          </a:p>
+          <a:p>
+            <a:endParaRPr lang="en-US" sz="2800" dirty="0">
+              <a:latin typeface="Arial" panose="020B0604020202020204" pitchFamily="34" charset="0"/>
+              <a:cs typeface="Arial" panose="020B0604020202020204" pitchFamily="34" charset="0"/>
+            </a:endParaRPr>
+          </a:p>
+          <a:p>
+            <a:r>
+              <a:rPr lang="en-US" sz="2800" dirty="0">
+                <a:latin typeface="Arial" panose="020B0604020202020204" pitchFamily="34" charset="0"/>
+                <a:cs typeface="Arial" panose="020B0604020202020204" pitchFamily="34" charset="0"/>
+              </a:rPr>
+              <a:t>Fish should swim across the screen and flip directions when they hit the edge</a:t>
+            </a:r>
+          </a:p>
+          <a:p>
+            <a:endParaRPr lang="en-US" sz="2800" dirty="0">
+              <a:latin typeface="Arial" panose="020B0604020202020204" pitchFamily="34" charset="0"/>
+              <a:cs typeface="Arial" panose="020B0604020202020204" pitchFamily="34" charset="0"/>
+            </a:endParaRPr>
+          </a:p>
+          <a:p>
+            <a:endParaRPr lang="en-US" sz="2800" dirty="0">
+              <a:latin typeface="Arial" panose="020B0604020202020204" pitchFamily="34" charset="0"/>
+              <a:cs typeface="Arial" panose="020B0604020202020204" pitchFamily="34" charset="0"/>
+            </a:endParaRPr>
+          </a:p>
+          <a:p>
+            <a:endParaRPr lang="en-US" sz="2800" dirty="0">
+              <a:latin typeface="Arial" panose="020B0604020202020204" pitchFamily="34" charset="0"/>
+              <a:cs typeface="Arial" panose="020B0604020202020204" pitchFamily="34" charset="0"/>
+            </a:endParaRPr>
+          </a:p>
+          <a:p>
+            <a:endParaRPr lang="en-US" sz="2800" dirty="0">
+              <a:latin typeface="Arial" panose="020B0604020202020204" pitchFamily="34" charset="0"/>
+              <a:cs typeface="Arial" panose="020B0604020202020204" pitchFamily="34" charset="0"/>
+            </a:endParaRPr>
+          </a:p>
+          <a:p>
+            <a:endParaRPr lang="en-US" sz="2800" dirty="0">
+              <a:latin typeface="Arial" panose="020B0604020202020204" pitchFamily="34" charset="0"/>
+              <a:cs typeface="Arial" panose="020B0604020202020204" pitchFamily="34" charset="0"/>
+            </a:endParaRPr>
+          </a:p>
+          <a:p>
+            <a:endParaRPr lang="en-US" sz="2800" dirty="0">
+              <a:latin typeface="Arial" panose="020B0604020202020204" pitchFamily="34" charset="0"/>
+              <a:cs typeface="Arial" panose="020B0604020202020204" pitchFamily="34" charset="0"/>
+            </a:endParaRPr>
+          </a:p>
+          <a:p>
+            <a:endParaRPr lang="en-US" sz="2400" dirty="0">
+              <a:latin typeface="Arial" panose="020B0604020202020204" pitchFamily="34" charset="0"/>
+              <a:cs typeface="Arial" panose="020B0604020202020204" pitchFamily="34" charset="0"/>
+            </a:endParaRPr>
+          </a:p>
+        </p:txBody>
+      </p:sp>
+      <p:grpSp>
+        <p:nvGrpSpPr>
+          <p:cNvPr id="4" name="Group 3">
+            <a:extLst>
+              <a:ext uri="{FF2B5EF4-FFF2-40B4-BE49-F238E27FC236}">
+                <a16:creationId xmlns:a16="http://schemas.microsoft.com/office/drawing/2014/main" id="{5978E18B-C21C-1AC6-B594-AB662E456BA2}"/>
+              </a:ext>
+            </a:extLst>
+          </p:cNvPr>
+          <p:cNvGrpSpPr/>
+          <p:nvPr/>
+        </p:nvGrpSpPr>
+        <p:grpSpPr>
+          <a:xfrm>
+            <a:off x="5511383" y="2802833"/>
+            <a:ext cx="3527572" cy="1934938"/>
+            <a:chOff x="2743199" y="2802833"/>
+            <a:chExt cx="3527572" cy="1934938"/>
+          </a:xfrm>
+        </p:grpSpPr>
+        <p:cxnSp>
+          <p:nvCxnSpPr>
+            <p:cNvPr id="5" name="Straight Connector 4">
+              <a:extLst>
+                <a:ext uri="{FF2B5EF4-FFF2-40B4-BE49-F238E27FC236}">
+                  <a16:creationId xmlns:a16="http://schemas.microsoft.com/office/drawing/2014/main" id="{A74C2F04-C7DF-AB25-92E9-D9E8F9A6B100}"/>
+                </a:ext>
+              </a:extLst>
+            </p:cNvPr>
+            <p:cNvCxnSpPr>
+              <a:cxnSpLocks/>
+            </p:cNvCxnSpPr>
+            <p:nvPr/>
+          </p:nvCxnSpPr>
+          <p:spPr>
+            <a:xfrm>
+              <a:off x="2743199" y="3844510"/>
+              <a:ext cx="3527572" cy="0"/>
+            </a:xfrm>
+            <a:prstGeom prst="line">
+              <a:avLst/>
+            </a:prstGeom>
+          </p:spPr>
+          <p:style>
+            <a:lnRef idx="1">
+              <a:schemeClr val="accent1"/>
+            </a:lnRef>
+            <a:fillRef idx="0">
+              <a:schemeClr val="accent1"/>
+            </a:fillRef>
+            <a:effectRef idx="0">
+              <a:schemeClr val="accent1"/>
+            </a:effectRef>
+            <a:fontRef idx="minor">
+              <a:schemeClr val="tx1"/>
+            </a:fontRef>
+          </p:style>
+        </p:cxnSp>
+        <p:cxnSp>
+          <p:nvCxnSpPr>
+            <p:cNvPr id="6" name="Straight Connector 5">
+              <a:extLst>
+                <a:ext uri="{FF2B5EF4-FFF2-40B4-BE49-F238E27FC236}">
+                  <a16:creationId xmlns:a16="http://schemas.microsoft.com/office/drawing/2014/main" id="{35820625-D159-06B5-D1F3-FC748B4EC65F}"/>
+                </a:ext>
+              </a:extLst>
+            </p:cNvPr>
+            <p:cNvCxnSpPr>
+              <a:cxnSpLocks/>
+            </p:cNvCxnSpPr>
+            <p:nvPr/>
+          </p:nvCxnSpPr>
+          <p:spPr>
+            <a:xfrm>
+              <a:off x="4326834" y="2802833"/>
+              <a:ext cx="0" cy="1934938"/>
+            </a:xfrm>
+            <a:prstGeom prst="line">
+              <a:avLst/>
+            </a:prstGeom>
+          </p:spPr>
+          <p:style>
+            <a:lnRef idx="1">
+              <a:schemeClr val="accent1"/>
+            </a:lnRef>
+            <a:fillRef idx="0">
+              <a:schemeClr val="accent1"/>
+            </a:fillRef>
+            <a:effectRef idx="0">
+              <a:schemeClr val="accent1"/>
+            </a:effectRef>
+            <a:fontRef idx="minor">
+              <a:schemeClr val="tx1"/>
+            </a:fontRef>
+          </p:style>
+        </p:cxnSp>
+      </p:grpSp>
+      <p:grpSp>
+        <p:nvGrpSpPr>
+          <p:cNvPr id="7" name="Group 6">
+            <a:extLst>
+              <a:ext uri="{FF2B5EF4-FFF2-40B4-BE49-F238E27FC236}">
+                <a16:creationId xmlns:a16="http://schemas.microsoft.com/office/drawing/2014/main" id="{46508E79-7A44-363D-D234-C598BB085FE0}"/>
+              </a:ext>
+            </a:extLst>
+          </p:cNvPr>
+          <p:cNvGrpSpPr/>
+          <p:nvPr/>
+        </p:nvGrpSpPr>
+        <p:grpSpPr>
+          <a:xfrm>
+            <a:off x="4454551" y="3101291"/>
+            <a:ext cx="4157845" cy="2238860"/>
+            <a:chOff x="1686366" y="3101291"/>
+            <a:chExt cx="4157845" cy="2238860"/>
+          </a:xfrm>
+        </p:grpSpPr>
+        <p:grpSp>
+          <p:nvGrpSpPr>
+            <p:cNvPr id="8" name="Group 7">
+              <a:extLst>
+                <a:ext uri="{FF2B5EF4-FFF2-40B4-BE49-F238E27FC236}">
+                  <a16:creationId xmlns:a16="http://schemas.microsoft.com/office/drawing/2014/main" id="{55D46D91-7985-6DFF-4BDD-BD42F391A1D8}"/>
+                </a:ext>
+              </a:extLst>
+            </p:cNvPr>
+            <p:cNvGrpSpPr/>
+            <p:nvPr/>
+          </p:nvGrpSpPr>
+          <p:grpSpPr>
+            <a:xfrm>
+              <a:off x="1686366" y="3139440"/>
+              <a:ext cx="4157845" cy="2200711"/>
+              <a:chOff x="1686366" y="3139440"/>
+              <a:chExt cx="4157845" cy="2200711"/>
+            </a:xfrm>
+          </p:grpSpPr>
+          <p:sp>
+            <p:nvSpPr>
+              <p:cNvPr id="10" name="Left Bracket 9">
+                <a:extLst>
+                  <a:ext uri="{FF2B5EF4-FFF2-40B4-BE49-F238E27FC236}">
+                    <a16:creationId xmlns:a16="http://schemas.microsoft.com/office/drawing/2014/main" id="{96D67F03-F676-3796-2AEE-CCB0AE8D353F}"/>
+                  </a:ext>
+                </a:extLst>
+              </p:cNvPr>
+              <p:cNvSpPr/>
+              <p:nvPr/>
+            </p:nvSpPr>
+            <p:spPr>
+              <a:xfrm rot="5400000" flipH="1" flipV="1">
+                <a:off x="4293078" y="3307166"/>
+                <a:ext cx="180162" cy="2922105"/>
+              </a:xfrm>
+              <a:prstGeom prst="leftBracket">
+                <a:avLst/>
+              </a:prstGeom>
+              <a:ln w="38100">
+                <a:solidFill>
+                  <a:srgbClr val="003470"/>
+                </a:solidFill>
+              </a:ln>
+            </p:spPr>
+            <p:style>
+              <a:lnRef idx="1">
+                <a:schemeClr val="accent1"/>
+              </a:lnRef>
+              <a:fillRef idx="0">
+                <a:schemeClr val="accent1"/>
+              </a:fillRef>
+              <a:effectRef idx="0">
+                <a:schemeClr val="accent1"/>
+              </a:effectRef>
+              <a:fontRef idx="minor">
+                <a:schemeClr val="tx1"/>
+              </a:fontRef>
+            </p:style>
+            <p:txBody>
+              <a:bodyPr rtlCol="0" anchor="ctr"/>
+              <a:lstStyle/>
+              <a:p>
+                <a:pPr algn="ctr"/>
+                <a:endParaRPr lang="en-US"/>
+              </a:p>
+            </p:txBody>
+          </p:sp>
+          <p:sp>
+            <p:nvSpPr>
+              <p:cNvPr id="11" name="TextBox 10">
+                <a:extLst>
+                  <a:ext uri="{FF2B5EF4-FFF2-40B4-BE49-F238E27FC236}">
+                    <a16:creationId xmlns:a16="http://schemas.microsoft.com/office/drawing/2014/main" id="{78B67BF7-AB6D-5176-6123-AC55701CCF70}"/>
+                  </a:ext>
+                </a:extLst>
+              </p:cNvPr>
+              <p:cNvSpPr txBox="1"/>
+              <p:nvPr/>
+            </p:nvSpPr>
+            <p:spPr>
+              <a:xfrm>
+                <a:off x="3988899" y="4878486"/>
+                <a:ext cx="805029" cy="461665"/>
+              </a:xfrm>
+              <a:prstGeom prst="rect">
+                <a:avLst/>
+              </a:prstGeom>
+              <a:noFill/>
+            </p:spPr>
+            <p:txBody>
+              <a:bodyPr wrap="none" rtlCol="0">
+                <a:spAutoFit/>
+              </a:bodyPr>
+              <a:lstStyle/>
+              <a:p>
+                <a:r>
+                  <a:rPr lang="en-US" sz="2400" dirty="0">
+                    <a:solidFill>
+                      <a:srgbClr val="003470"/>
+                    </a:solidFill>
+                  </a:rPr>
+                  <a:t>80px</a:t>
+                </a:r>
+              </a:p>
+            </p:txBody>
+          </p:sp>
+          <p:sp>
+            <p:nvSpPr>
+              <p:cNvPr id="12" name="Left Bracket 11">
+                <a:extLst>
+                  <a:ext uri="{FF2B5EF4-FFF2-40B4-BE49-F238E27FC236}">
+                    <a16:creationId xmlns:a16="http://schemas.microsoft.com/office/drawing/2014/main" id="{FA23D9CB-B39F-FDE3-0AEE-3B5AF7038C85}"/>
+                  </a:ext>
+                </a:extLst>
+              </p:cNvPr>
+              <p:cNvSpPr/>
+              <p:nvPr/>
+            </p:nvSpPr>
+            <p:spPr>
+              <a:xfrm>
+                <a:off x="2609020" y="3139440"/>
+                <a:ext cx="134179" cy="1484326"/>
+              </a:xfrm>
+              <a:prstGeom prst="leftBracket">
+                <a:avLst/>
+              </a:prstGeom>
+              <a:ln w="38100">
+                <a:solidFill>
+                  <a:srgbClr val="003470"/>
+                </a:solidFill>
+              </a:ln>
+            </p:spPr>
+            <p:style>
+              <a:lnRef idx="1">
+                <a:schemeClr val="accent1"/>
+              </a:lnRef>
+              <a:fillRef idx="0">
+                <a:schemeClr val="accent1"/>
+              </a:fillRef>
+              <a:effectRef idx="0">
+                <a:schemeClr val="accent1"/>
+              </a:effectRef>
+              <a:fontRef idx="minor">
+                <a:schemeClr val="tx1"/>
+              </a:fontRef>
+            </p:style>
+            <p:txBody>
+              <a:bodyPr rtlCol="0" anchor="ctr"/>
+              <a:lstStyle/>
+              <a:p>
+                <a:pPr algn="ctr"/>
+                <a:endParaRPr lang="en-US"/>
+              </a:p>
+            </p:txBody>
+          </p:sp>
+          <p:sp>
+            <p:nvSpPr>
+              <p:cNvPr id="13" name="TextBox 12">
+                <a:extLst>
+                  <a:ext uri="{FF2B5EF4-FFF2-40B4-BE49-F238E27FC236}">
+                    <a16:creationId xmlns:a16="http://schemas.microsoft.com/office/drawing/2014/main" id="{DD4B7998-E571-09C7-ABBA-E05DBFC26E29}"/>
+                  </a:ext>
+                </a:extLst>
+              </p:cNvPr>
+              <p:cNvSpPr txBox="1"/>
+              <p:nvPr/>
+            </p:nvSpPr>
+            <p:spPr>
+              <a:xfrm>
+                <a:off x="1686366" y="3586604"/>
+                <a:ext cx="805029" cy="461665"/>
+              </a:xfrm>
+              <a:prstGeom prst="rect">
+                <a:avLst/>
+              </a:prstGeom>
+              <a:noFill/>
+            </p:spPr>
+            <p:txBody>
+              <a:bodyPr wrap="none" rtlCol="0">
+                <a:spAutoFit/>
+              </a:bodyPr>
+              <a:lstStyle/>
+              <a:p>
+                <a:r>
+                  <a:rPr lang="en-US" sz="2400" dirty="0">
+                    <a:solidFill>
+                      <a:srgbClr val="003470"/>
+                    </a:solidFill>
+                  </a:rPr>
+                  <a:t>40px</a:t>
+                </a:r>
+              </a:p>
+            </p:txBody>
+          </p:sp>
+        </p:grpSp>
+        <p:sp>
+          <p:nvSpPr>
+            <p:cNvPr id="9" name="Oval 8">
+              <a:extLst>
+                <a:ext uri="{FF2B5EF4-FFF2-40B4-BE49-F238E27FC236}">
+                  <a16:creationId xmlns:a16="http://schemas.microsoft.com/office/drawing/2014/main" id="{5FECDE15-0E5B-6C37-A5D4-371E885C49C0}"/>
+                </a:ext>
+              </a:extLst>
+            </p:cNvPr>
+            <p:cNvSpPr/>
+            <p:nvPr/>
+          </p:nvSpPr>
+          <p:spPr>
+            <a:xfrm>
+              <a:off x="2855017" y="3101291"/>
+              <a:ext cx="2969318" cy="1482740"/>
+            </a:xfrm>
+            <a:prstGeom prst="ellipse">
+              <a:avLst/>
+            </a:prstGeom>
+            <a:solidFill>
+              <a:srgbClr val="FFC000"/>
+            </a:solidFill>
+            <a:ln w="38100">
+              <a:solidFill>
+                <a:srgbClr val="010138"/>
+              </a:solidFill>
+            </a:ln>
+          </p:spPr>
+          <p:style>
+            <a:lnRef idx="2">
+              <a:schemeClr val="accent1">
+                <a:shade val="50000"/>
+              </a:schemeClr>
+            </a:lnRef>
+            <a:fillRef idx="1">
+              <a:schemeClr val="accent1"/>
+            </a:fillRef>
+            <a:effectRef idx="0">
+              <a:schemeClr val="accent1"/>
+            </a:effectRef>
+            <a:fontRef idx="minor">
+              <a:schemeClr val="lt1"/>
+            </a:fontRef>
+          </p:style>
+          <p:txBody>
+            <a:bodyPr rtlCol="0" anchor="ctr"/>
+            <a:lstStyle/>
+            <a:p>
+              <a:pPr algn="ctr"/>
+              <a:endParaRPr lang="en-US"/>
+            </a:p>
+          </p:txBody>
+        </p:sp>
+      </p:grpSp>
+      <p:grpSp>
+        <p:nvGrpSpPr>
+          <p:cNvPr id="14" name="Group 13">
+            <a:extLst>
+              <a:ext uri="{FF2B5EF4-FFF2-40B4-BE49-F238E27FC236}">
+                <a16:creationId xmlns:a16="http://schemas.microsoft.com/office/drawing/2014/main" id="{FA4EA4CA-460D-49C9-1017-2E209D56FC20}"/>
+              </a:ext>
+            </a:extLst>
+          </p:cNvPr>
+          <p:cNvGrpSpPr/>
+          <p:nvPr/>
+        </p:nvGrpSpPr>
+        <p:grpSpPr>
+          <a:xfrm>
+            <a:off x="8185837" y="1999530"/>
+            <a:ext cx="1925561" cy="2983332"/>
+            <a:chOff x="5417652" y="1999530"/>
+            <a:chExt cx="1925561" cy="2983332"/>
+          </a:xfrm>
+        </p:grpSpPr>
+        <p:grpSp>
+          <p:nvGrpSpPr>
+            <p:cNvPr id="15" name="Group 14">
+              <a:extLst>
+                <a:ext uri="{FF2B5EF4-FFF2-40B4-BE49-F238E27FC236}">
+                  <a16:creationId xmlns:a16="http://schemas.microsoft.com/office/drawing/2014/main" id="{DA05030B-3C67-978C-536B-01BE5EA70BDE}"/>
+                </a:ext>
+              </a:extLst>
+            </p:cNvPr>
+            <p:cNvGrpSpPr/>
+            <p:nvPr/>
+          </p:nvGrpSpPr>
+          <p:grpSpPr>
+            <a:xfrm>
+              <a:off x="5417652" y="1999530"/>
+              <a:ext cx="1925561" cy="2983332"/>
+              <a:chOff x="5417652" y="1999530"/>
+              <a:chExt cx="1925561" cy="2983332"/>
+            </a:xfrm>
+          </p:grpSpPr>
+          <p:sp>
+            <p:nvSpPr>
+              <p:cNvPr id="17" name="Left Bracket 16">
+                <a:extLst>
+                  <a:ext uri="{FF2B5EF4-FFF2-40B4-BE49-F238E27FC236}">
+                    <a16:creationId xmlns:a16="http://schemas.microsoft.com/office/drawing/2014/main" id="{E5645781-4506-A47B-3443-CC5364DC2EC3}"/>
+                  </a:ext>
+                </a:extLst>
+              </p:cNvPr>
+              <p:cNvSpPr/>
+              <p:nvPr/>
+            </p:nvSpPr>
+            <p:spPr>
+              <a:xfrm flipH="1">
+                <a:off x="6221895" y="2743199"/>
+                <a:ext cx="225204" cy="2239663"/>
+              </a:xfrm>
+              <a:prstGeom prst="leftBracket">
+                <a:avLst/>
+              </a:prstGeom>
+              <a:ln w="38100">
+                <a:solidFill>
+                  <a:srgbClr val="003470"/>
+                </a:solidFill>
+              </a:ln>
+            </p:spPr>
+            <p:style>
+              <a:lnRef idx="1">
+                <a:schemeClr val="accent1"/>
+              </a:lnRef>
+              <a:fillRef idx="0">
+                <a:schemeClr val="accent1"/>
+              </a:fillRef>
+              <a:effectRef idx="0">
+                <a:schemeClr val="accent1"/>
+              </a:effectRef>
+              <a:fontRef idx="minor">
+                <a:schemeClr val="tx1"/>
+              </a:fontRef>
+            </p:style>
+            <p:txBody>
+              <a:bodyPr rtlCol="0" anchor="ctr"/>
+              <a:lstStyle/>
+              <a:p>
+                <a:pPr algn="ctr"/>
+                <a:endParaRPr lang="en-US"/>
+              </a:p>
+            </p:txBody>
+          </p:sp>
+          <p:sp>
+            <p:nvSpPr>
+              <p:cNvPr id="18" name="TextBox 17">
+                <a:extLst>
+                  <a:ext uri="{FF2B5EF4-FFF2-40B4-BE49-F238E27FC236}">
+                    <a16:creationId xmlns:a16="http://schemas.microsoft.com/office/drawing/2014/main" id="{E4A8B8F7-F1B0-4175-AFA9-0AC88C1D9E00}"/>
+                  </a:ext>
+                </a:extLst>
+              </p:cNvPr>
+              <p:cNvSpPr txBox="1"/>
+              <p:nvPr/>
+            </p:nvSpPr>
+            <p:spPr>
+              <a:xfrm>
+                <a:off x="6534978" y="3589152"/>
+                <a:ext cx="808235" cy="461665"/>
+              </a:xfrm>
+              <a:prstGeom prst="rect">
+                <a:avLst/>
+              </a:prstGeom>
+              <a:noFill/>
+            </p:spPr>
+            <p:txBody>
+              <a:bodyPr wrap="none" rtlCol="0">
+                <a:spAutoFit/>
+              </a:bodyPr>
+              <a:lstStyle/>
+              <a:p>
+                <a:r>
+                  <a:rPr lang="en-US" sz="2400" dirty="0">
+                    <a:solidFill>
+                      <a:srgbClr val="003470"/>
+                    </a:solidFill>
+                  </a:rPr>
+                  <a:t>60px</a:t>
+                </a:r>
+              </a:p>
+            </p:txBody>
+          </p:sp>
+          <p:sp>
+            <p:nvSpPr>
+              <p:cNvPr id="19" name="Left Bracket 18">
+                <a:extLst>
+                  <a:ext uri="{FF2B5EF4-FFF2-40B4-BE49-F238E27FC236}">
+                    <a16:creationId xmlns:a16="http://schemas.microsoft.com/office/drawing/2014/main" id="{E2E8A349-3399-39E1-0728-34AD3D09AF38}"/>
+                  </a:ext>
+                </a:extLst>
+              </p:cNvPr>
+              <p:cNvSpPr/>
+              <p:nvPr/>
+            </p:nvSpPr>
+            <p:spPr>
+              <a:xfrm rot="16200000" flipH="1">
+                <a:off x="5754130" y="2285752"/>
+                <a:ext cx="180164" cy="615400"/>
+              </a:xfrm>
+              <a:prstGeom prst="leftBracket">
+                <a:avLst/>
+              </a:prstGeom>
+              <a:ln w="38100">
+                <a:solidFill>
+                  <a:srgbClr val="003470"/>
+                </a:solidFill>
+              </a:ln>
+            </p:spPr>
+            <p:style>
+              <a:lnRef idx="1">
+                <a:schemeClr val="accent1"/>
+              </a:lnRef>
+              <a:fillRef idx="0">
+                <a:schemeClr val="accent1"/>
+              </a:fillRef>
+              <a:effectRef idx="0">
+                <a:schemeClr val="accent1"/>
+              </a:effectRef>
+              <a:fontRef idx="minor">
+                <a:schemeClr val="tx1"/>
+              </a:fontRef>
+            </p:style>
+            <p:txBody>
+              <a:bodyPr rtlCol="0" anchor="ctr"/>
+              <a:lstStyle/>
+              <a:p>
+                <a:pPr algn="ctr"/>
+                <a:endParaRPr lang="en-US"/>
+              </a:p>
+            </p:txBody>
+          </p:sp>
+          <p:sp>
+            <p:nvSpPr>
+              <p:cNvPr id="20" name="TextBox 19">
+                <a:extLst>
+                  <a:ext uri="{FF2B5EF4-FFF2-40B4-BE49-F238E27FC236}">
+                    <a16:creationId xmlns:a16="http://schemas.microsoft.com/office/drawing/2014/main" id="{C765CB4D-163D-FD0C-9BD6-66EAC7012161}"/>
+                  </a:ext>
+                </a:extLst>
+              </p:cNvPr>
+              <p:cNvSpPr txBox="1"/>
+              <p:nvPr/>
+            </p:nvSpPr>
+            <p:spPr>
+              <a:xfrm>
+                <a:off x="5417652" y="1999530"/>
+                <a:ext cx="797398" cy="461665"/>
+              </a:xfrm>
+              <a:prstGeom prst="rect">
+                <a:avLst/>
+              </a:prstGeom>
+              <a:noFill/>
+            </p:spPr>
+            <p:txBody>
+              <a:bodyPr wrap="none" rtlCol="0">
+                <a:spAutoFit/>
+              </a:bodyPr>
+              <a:lstStyle/>
+              <a:p>
+                <a:r>
+                  <a:rPr lang="en-US" sz="2400" dirty="0">
+                    <a:solidFill>
+                      <a:srgbClr val="003470"/>
+                    </a:solidFill>
+                  </a:rPr>
+                  <a:t>20px</a:t>
+                </a:r>
+              </a:p>
+            </p:txBody>
+          </p:sp>
+        </p:grpSp>
+        <p:sp>
+          <p:nvSpPr>
+            <p:cNvPr id="16" name="Oval 15">
+              <a:extLst>
+                <a:ext uri="{FF2B5EF4-FFF2-40B4-BE49-F238E27FC236}">
+                  <a16:creationId xmlns:a16="http://schemas.microsoft.com/office/drawing/2014/main" id="{593E2DBB-730A-D21A-928C-DD8F43912CEA}"/>
+                </a:ext>
+              </a:extLst>
+            </p:cNvPr>
+            <p:cNvSpPr/>
+            <p:nvPr/>
+          </p:nvSpPr>
+          <p:spPr>
+            <a:xfrm>
+              <a:off x="5469566" y="2698672"/>
+              <a:ext cx="732451" cy="2284190"/>
+            </a:xfrm>
+            <a:prstGeom prst="ellipse">
+              <a:avLst/>
+            </a:prstGeom>
+            <a:solidFill>
+              <a:srgbClr val="010101"/>
+            </a:solidFill>
+            <a:ln w="38100">
+              <a:solidFill>
+                <a:srgbClr val="010138"/>
+              </a:solidFill>
+            </a:ln>
+          </p:spPr>
+          <p:style>
+            <a:lnRef idx="2">
+              <a:schemeClr val="accent1">
+                <a:shade val="50000"/>
+              </a:schemeClr>
+            </a:lnRef>
+            <a:fillRef idx="1">
+              <a:schemeClr val="accent1"/>
+            </a:fillRef>
+            <a:effectRef idx="0">
+              <a:schemeClr val="accent1"/>
+            </a:effectRef>
+            <a:fontRef idx="minor">
+              <a:schemeClr val="lt1"/>
+            </a:fontRef>
+          </p:style>
+          <p:txBody>
+            <a:bodyPr rtlCol="0" anchor="ctr"/>
+            <a:lstStyle/>
+            <a:p>
+              <a:pPr algn="ctr"/>
+              <a:endParaRPr lang="en-US"/>
+            </a:p>
+          </p:txBody>
+        </p:sp>
+      </p:grpSp>
+      <p:grpSp>
+        <p:nvGrpSpPr>
+          <p:cNvPr id="21" name="Group 20">
+            <a:extLst>
+              <a:ext uri="{FF2B5EF4-FFF2-40B4-BE49-F238E27FC236}">
+                <a16:creationId xmlns:a16="http://schemas.microsoft.com/office/drawing/2014/main" id="{94C57C1E-6F60-981E-DCD4-AE18178EE6D8}"/>
+              </a:ext>
+            </a:extLst>
+          </p:cNvPr>
+          <p:cNvGrpSpPr/>
+          <p:nvPr/>
+        </p:nvGrpSpPr>
+        <p:grpSpPr>
+          <a:xfrm>
+            <a:off x="5351789" y="2608579"/>
+            <a:ext cx="1436519" cy="1434550"/>
+            <a:chOff x="2583604" y="2608579"/>
+            <a:chExt cx="1436519" cy="1434550"/>
+          </a:xfrm>
+        </p:grpSpPr>
+        <p:sp>
+          <p:nvSpPr>
+            <p:cNvPr id="22" name="Oval 21">
+              <a:extLst>
+                <a:ext uri="{FF2B5EF4-FFF2-40B4-BE49-F238E27FC236}">
+                  <a16:creationId xmlns:a16="http://schemas.microsoft.com/office/drawing/2014/main" id="{C398BAC6-D9C8-522F-748D-F8FDA781C7AA}"/>
+                </a:ext>
+              </a:extLst>
+            </p:cNvPr>
+            <p:cNvSpPr/>
+            <p:nvPr/>
+          </p:nvSpPr>
+          <p:spPr>
+            <a:xfrm>
+              <a:off x="3641516" y="3486942"/>
+              <a:ext cx="378607" cy="376088"/>
+            </a:xfrm>
+            <a:prstGeom prst="ellipse">
+              <a:avLst/>
+            </a:prstGeom>
+            <a:solidFill>
+              <a:srgbClr val="010101"/>
+            </a:solidFill>
+            <a:ln w="38100">
+              <a:solidFill>
+                <a:srgbClr val="010138"/>
+              </a:solidFill>
+            </a:ln>
+          </p:spPr>
+          <p:style>
+            <a:lnRef idx="2">
+              <a:schemeClr val="accent1">
+                <a:shade val="50000"/>
+              </a:schemeClr>
+            </a:lnRef>
+            <a:fillRef idx="1">
+              <a:schemeClr val="accent1"/>
+            </a:fillRef>
+            <a:effectRef idx="0">
+              <a:schemeClr val="accent1"/>
+            </a:effectRef>
+            <a:fontRef idx="minor">
+              <a:schemeClr val="lt1"/>
+            </a:fontRef>
+          </p:style>
+          <p:txBody>
+            <a:bodyPr rtlCol="0" anchor="ctr"/>
+            <a:lstStyle/>
+            <a:p>
+              <a:pPr algn="ctr"/>
+              <a:endParaRPr lang="en-US"/>
+            </a:p>
+          </p:txBody>
+        </p:sp>
+        <p:grpSp>
+          <p:nvGrpSpPr>
+            <p:cNvPr id="23" name="Group 22">
+              <a:extLst>
+                <a:ext uri="{FF2B5EF4-FFF2-40B4-BE49-F238E27FC236}">
+                  <a16:creationId xmlns:a16="http://schemas.microsoft.com/office/drawing/2014/main" id="{8D9B3616-8176-7475-0461-6966EB512C60}"/>
+                </a:ext>
+              </a:extLst>
+            </p:cNvPr>
+            <p:cNvGrpSpPr/>
+            <p:nvPr/>
+          </p:nvGrpSpPr>
+          <p:grpSpPr>
+            <a:xfrm>
+              <a:off x="2583604" y="2608579"/>
+              <a:ext cx="1260516" cy="1434550"/>
+              <a:chOff x="7857455" y="5772936"/>
+              <a:chExt cx="1260516" cy="1434550"/>
+            </a:xfrm>
+          </p:grpSpPr>
+          <p:sp>
+            <p:nvSpPr>
+              <p:cNvPr id="24" name="TextBox 23">
+                <a:extLst>
+                  <a:ext uri="{FF2B5EF4-FFF2-40B4-BE49-F238E27FC236}">
+                    <a16:creationId xmlns:a16="http://schemas.microsoft.com/office/drawing/2014/main" id="{33CA0E51-A72D-59B5-F491-6619252B0494}"/>
+                  </a:ext>
+                </a:extLst>
+              </p:cNvPr>
+              <p:cNvSpPr txBox="1"/>
+              <p:nvPr/>
+            </p:nvSpPr>
+            <p:spPr>
+              <a:xfrm>
+                <a:off x="7906114" y="5772936"/>
+                <a:ext cx="635110" cy="461665"/>
+              </a:xfrm>
+              <a:prstGeom prst="rect">
+                <a:avLst/>
+              </a:prstGeom>
+              <a:noFill/>
+            </p:spPr>
+            <p:txBody>
+              <a:bodyPr wrap="none" rtlCol="0">
+                <a:spAutoFit/>
+              </a:bodyPr>
+              <a:lstStyle/>
+              <a:p>
+                <a:pPr algn="ctr"/>
+                <a:r>
+                  <a:rPr lang="en-US" sz="2400" dirty="0">
+                    <a:solidFill>
+                      <a:srgbClr val="003470"/>
+                    </a:solidFill>
+                  </a:rPr>
+                  <a:t>5px</a:t>
+                </a:r>
+                <a:endParaRPr lang="en-US" sz="2400" b="1" dirty="0">
+                  <a:solidFill>
+                    <a:srgbClr val="003470"/>
+                  </a:solidFill>
+                  <a:latin typeface="Courier" pitchFamily="2" charset="0"/>
+                </a:endParaRPr>
+              </a:p>
+            </p:txBody>
+          </p:sp>
+          <p:sp>
+            <p:nvSpPr>
+              <p:cNvPr id="25" name="Circular Arrow 24">
+                <a:extLst>
+                  <a:ext uri="{FF2B5EF4-FFF2-40B4-BE49-F238E27FC236}">
+                    <a16:creationId xmlns:a16="http://schemas.microsoft.com/office/drawing/2014/main" id="{D0D03E23-F664-09B5-6F86-22F62B348006}"/>
+                  </a:ext>
+                </a:extLst>
+              </p:cNvPr>
+              <p:cNvSpPr/>
+              <p:nvPr/>
+            </p:nvSpPr>
+            <p:spPr>
+              <a:xfrm rot="20204869">
+                <a:off x="7857455" y="5940868"/>
+                <a:ext cx="1260516" cy="1266618"/>
+              </a:xfrm>
+              <a:prstGeom prst="circularArrow">
+                <a:avLst>
+                  <a:gd name="adj1" fmla="val 1411"/>
+                  <a:gd name="adj2" fmla="val 1773775"/>
+                  <a:gd name="adj3" fmla="val 20880751"/>
+                  <a:gd name="adj4" fmla="val 17788237"/>
+                  <a:gd name="adj5" fmla="val 7233"/>
+                </a:avLst>
+              </a:prstGeom>
+              <a:solidFill>
+                <a:srgbClr val="003470"/>
+              </a:solidFill>
+              <a:ln cap="rnd">
+                <a:solidFill>
+                  <a:srgbClr val="003470"/>
+                </a:solidFill>
+              </a:ln>
+            </p:spPr>
+            <p:style>
+              <a:lnRef idx="2">
+                <a:schemeClr val="accent1">
+                  <a:shade val="50000"/>
+                </a:schemeClr>
+              </a:lnRef>
+              <a:fillRef idx="1">
+                <a:schemeClr val="accent1"/>
+              </a:fillRef>
+              <a:effectRef idx="0">
+                <a:schemeClr val="accent1"/>
+              </a:effectRef>
+              <a:fontRef idx="minor">
+                <a:schemeClr val="lt1"/>
+              </a:fontRef>
+            </p:style>
+            <p:txBody>
+              <a:bodyPr rtlCol="0" anchor="ctr"/>
+              <a:lstStyle/>
+              <a:p>
+                <a:pPr algn="ctr"/>
+                <a:endParaRPr lang="en-US" dirty="0">
+                  <a:solidFill>
+                    <a:schemeClr val="tx1"/>
+                  </a:solidFill>
+                </a:endParaRPr>
+              </a:p>
+            </p:txBody>
+          </p:sp>
+        </p:grpSp>
+      </p:grpSp>
+    </p:spTree>
+    <p:extLst>
+      <p:ext uri="{BB962C8B-B14F-4D97-AF65-F5344CB8AC3E}">
+        <p14:creationId xmlns:p14="http://schemas.microsoft.com/office/powerpoint/2010/main" val="4282542485"/>
+      </p:ext>
+    </p:extLst>
+  </p:cSld>
+  <p:clrMapOvr>
+    <a:masterClrMapping/>
+  </p:clrMapOvr>
+  <p:timing>
+    <p:tnLst>
+      <p:par>
+        <p:cTn id="1" dur="indefinite" restart="never" nodeType="tmRoot">
+          <p:childTnLst>
+            <p:seq concurrent="1" nextAc="seek">
+              <p:cTn id="2" dur="indefinite" nodeType="mainSeq">
+                <p:childTnLst>
+                  <p:par>
+                    <p:cTn id="3" fill="hold">
+                      <p:stCondLst>
+                        <p:cond delay="indefinite"/>
+                      </p:stCondLst>
+                      <p:childTnLst>
+                        <p:par>
+                          <p:cTn id="4" fill="hold">
+                            <p:stCondLst>
+                              <p:cond delay="0"/>
+                            </p:stCondLst>
+                            <p:childTnLst>
+                              <p:par>
+                                <p:cTn id="5" presetID="1" presetClass="entr" presetSubtype="0" fill="hold" nodeType="clickEffect">
+                                  <p:stCondLst>
+                                    <p:cond delay="0"/>
+                                  </p:stCondLst>
+                                  <p:childTnLst>
+                                    <p:set>
+                                      <p:cBhvr>
+                                        <p:cTn id="6" dur="1" fill="hold">
+                                          <p:stCondLst>
+                                            <p:cond delay="0"/>
+                                          </p:stCondLst>
+                                        </p:cTn>
+                                        <p:tgtEl>
+                                          <p:spTgt spid="7"/>
+                                        </p:tgtEl>
+                                        <p:attrNameLst>
+                                          <p:attrName>style.visibility</p:attrName>
+                                        </p:attrNameLst>
+                                      </p:cBhvr>
+                                      <p:to>
+                                        <p:strVal val="visible"/>
+                                      </p:to>
+                                    </p:set>
+                                  </p:childTnLst>
+                                </p:cTn>
+                              </p:par>
+                            </p:childTnLst>
+                          </p:cTn>
+                        </p:par>
+                      </p:childTnLst>
+                    </p:cTn>
+                  </p:par>
+                  <p:par>
+                    <p:cTn id="7" fill="hold">
+                      <p:stCondLst>
+                        <p:cond delay="indefinite"/>
+                      </p:stCondLst>
+                      <p:childTnLst>
+                        <p:par>
+                          <p:cTn id="8" fill="hold">
+                            <p:stCondLst>
+                              <p:cond delay="0"/>
+                            </p:stCondLst>
+                            <p:childTnLst>
+                              <p:par>
+                                <p:cTn id="9" presetID="1" presetClass="entr" presetSubtype="0" fill="hold" nodeType="clickEffect">
+                                  <p:stCondLst>
+                                    <p:cond delay="0"/>
+                                  </p:stCondLst>
+                                  <p:childTnLst>
+                                    <p:set>
+                                      <p:cBhvr>
+                                        <p:cTn id="10" dur="1" fill="hold">
+                                          <p:stCondLst>
+                                            <p:cond delay="0"/>
+                                          </p:stCondLst>
+                                        </p:cTn>
+                                        <p:tgtEl>
+                                          <p:spTgt spid="14"/>
+                                        </p:tgtEl>
+                                        <p:attrNameLst>
+                                          <p:attrName>style.visibility</p:attrName>
+                                        </p:attrNameLst>
+                                      </p:cBhvr>
+                                      <p:to>
+                                        <p:strVal val="visible"/>
+                                      </p:to>
+                                    </p:set>
+                                  </p:childTnLst>
+                                </p:cTn>
+                              </p:par>
+                            </p:childTnLst>
+                          </p:cTn>
+                        </p:par>
+                      </p:childTnLst>
+                    </p:cTn>
+                  </p:par>
+                  <p:par>
+                    <p:cTn id="11" fill="hold">
+                      <p:stCondLst>
+                        <p:cond delay="indefinite"/>
+                      </p:stCondLst>
+                      <p:childTnLst>
+                        <p:par>
+                          <p:cTn id="12" fill="hold">
+                            <p:stCondLst>
+                              <p:cond delay="0"/>
+                            </p:stCondLst>
+                            <p:childTnLst>
+                              <p:par>
+                                <p:cTn id="13" presetID="1" presetClass="entr" presetSubtype="0" fill="hold" nodeType="clickEffect">
+                                  <p:stCondLst>
+                                    <p:cond delay="0"/>
+                                  </p:stCondLst>
+                                  <p:childTnLst>
+                                    <p:set>
+                                      <p:cBhvr>
+                                        <p:cTn id="14" dur="1" fill="hold">
+                                          <p:stCondLst>
+                                            <p:cond delay="0"/>
+                                          </p:stCondLst>
+                                        </p:cTn>
+                                        <p:tgtEl>
+                                          <p:spTgt spid="21"/>
+                                        </p:tgtEl>
+                                        <p:attrNameLst>
+                                          <p:attrName>style.visibility</p:attrName>
+                                        </p:attrNameLst>
+                                      </p:cBhvr>
+                                      <p:to>
+                                        <p:strVal val="visible"/>
+                                      </p:to>
+                                    </p:set>
+                                  </p:childTnLst>
+                                </p:cTn>
+                              </p:par>
+                            </p:childTnLst>
+                          </p:cTn>
+                        </p:par>
+                      </p:childTnLst>
+                    </p:cTn>
+                  </p:par>
+                </p:childTnLst>
+              </p:cTn>
+              <p:prevCondLst>
+                <p:cond evt="onPrev" delay="0">
+                  <p:tgtEl>
+                    <p:sldTgt/>
+                  </p:tgtEl>
+                </p:cond>
+              </p:prevCondLst>
+              <p:nextCondLst>
+                <p:cond evt="onNext" delay="0">
+                  <p:tgtEl>
+                    <p:sldTgt/>
+                  </p:tgtEl>
+                </p:cond>
+              </p:nextCondLst>
+            </p:seq>
+          </p:childTnLst>
+        </p:cTn>
+      </p:par>
+    </p:tnLst>
+  </p:timing>
+</p:sld>
+</file>
+
+<file path=ppt/slides/slide5.xml><?xml version="1.0" encoding="utf-8"?>
 <p:sld xmlns:a="http://schemas.openxmlformats.org/drawingml/2006/main" xmlns:r="http://schemas.openxmlformats.org/officeDocument/2006/relationships" xmlns:p="http://schemas.openxmlformats.org/presentationml/2006/main">
   <p:cSld>
     <p:spTree>
@@ -8420,7 +9934,7 @@
 </p:sld>
 </file>
 
-<file path=ppt/slides/slide4.xml><?xml version="1.0" encoding="utf-8"?>
+<file path=ppt/slides/slide6.xml><?xml version="1.0" encoding="utf-8"?>
 <p:sld xmlns:a="http://schemas.openxmlformats.org/drawingml/2006/main" xmlns:r="http://schemas.openxmlformats.org/officeDocument/2006/relationships" xmlns:p="http://schemas.openxmlformats.org/presentationml/2006/main">
   <p:cSld>
     <p:spTree>
@@ -8566,7 +10080,7 @@
 </p:sld>
 </file>
 
-<file path=ppt/slides/slide5.xml><?xml version="1.0" encoding="utf-8"?>
+<file path=ppt/slides/slide7.xml><?xml version="1.0" encoding="utf-8"?>
 <p:sld xmlns:a="http://schemas.openxmlformats.org/drawingml/2006/main" xmlns:r="http://schemas.openxmlformats.org/officeDocument/2006/relationships" xmlns:p="http://schemas.openxmlformats.org/presentationml/2006/main">
   <p:cSld>
     <p:spTree>
@@ -8854,7 +10368,7 @@
 </p:sld>
 </file>
 
-<file path=ppt/slides/slide6.xml><?xml version="1.0" encoding="utf-8"?>
+<file path=ppt/slides/slide8.xml><?xml version="1.0" encoding="utf-8"?>
 <p:sld xmlns:a="http://schemas.openxmlformats.org/drawingml/2006/main" xmlns:r="http://schemas.openxmlformats.org/officeDocument/2006/relationships" xmlns:p="http://schemas.openxmlformats.org/presentationml/2006/main">
   <p:cSld>
     <p:spTree>
@@ -9076,7 +10590,7 @@
 </p:sld>
 </file>
 
-<file path=ppt/slides/slide7.xml><?xml version="1.0" encoding="utf-8"?>
+<file path=ppt/slides/slide9.xml><?xml version="1.0" encoding="utf-8"?>
 <p:sld xmlns:a="http://schemas.openxmlformats.org/drawingml/2006/main" xmlns:r="http://schemas.openxmlformats.org/officeDocument/2006/relationships" xmlns:p="http://schemas.openxmlformats.org/presentationml/2006/main">
   <p:cSld>
     <p:spTree>
@@ -9159,214 +10673,6 @@
     <p:extLst>
       <p:ext uri="{BB962C8B-B14F-4D97-AF65-F5344CB8AC3E}">
         <p14:creationId xmlns:p14="http://schemas.microsoft.com/office/powerpoint/2010/main" val="3215088412"/>
-      </p:ext>
-    </p:extLst>
-  </p:cSld>
-  <p:clrMapOvr>
-    <a:masterClrMapping/>
-  </p:clrMapOvr>
-</p:sld>
-</file>
-
-<file path=ppt/slides/slide8.xml><?xml version="1.0" encoding="utf-8"?>
-<p:sld xmlns:a="http://schemas.openxmlformats.org/drawingml/2006/main" xmlns:r="http://schemas.openxmlformats.org/officeDocument/2006/relationships" xmlns:p="http://schemas.openxmlformats.org/presentationml/2006/main">
-  <p:cSld>
-    <p:spTree>
-      <p:nvGrpSpPr>
-        <p:cNvPr id="1" name=""/>
-        <p:cNvGrpSpPr/>
-        <p:nvPr/>
-      </p:nvGrpSpPr>
-      <p:grpSpPr>
-        <a:xfrm>
-          <a:off x="0" y="0"/>
-          <a:ext cx="0" cy="0"/>
-          <a:chOff x="0" y="0"/>
-          <a:chExt cx="0" cy="0"/>
-        </a:xfrm>
-      </p:grpSpPr>
-      <p:sp>
-        <p:nvSpPr>
-          <p:cNvPr id="2" name="Title 1"/>
-          <p:cNvSpPr>
-            <a:spLocks noGrp="1"/>
-          </p:cNvSpPr>
-          <p:nvPr>
-            <p:ph type="title"/>
-          </p:nvPr>
-        </p:nvSpPr>
-        <p:spPr/>
-        <p:txBody>
-          <a:bodyPr/>
-          <a:lstStyle/>
-          <a:p>
-            <a:r>
-              <a:rPr lang="en-US" dirty="0"/>
-              <a:t>Interaction (def.)</a:t>
-            </a:r>
-          </a:p>
-        </p:txBody>
-      </p:sp>
-      <p:sp>
-        <p:nvSpPr>
-          <p:cNvPr id="6" name="Content Placeholder 5"/>
-          <p:cNvSpPr>
-            <a:spLocks noGrp="1"/>
-          </p:cNvSpPr>
-          <p:nvPr>
-            <p:ph idx="1"/>
-          </p:nvPr>
-        </p:nvSpPr>
-        <p:spPr/>
-        <p:txBody>
-          <a:bodyPr>
-            <a:normAutofit/>
-          </a:bodyPr>
-          <a:lstStyle/>
-          <a:p>
-            <a:r>
-              <a:rPr lang="en-US" sz="2400" dirty="0"/>
-              <a:t>Ways for the user to </a:t>
-            </a:r>
-            <a:r>
-              <a:rPr lang="en-US" sz="2400" b="1" dirty="0"/>
-              <a:t>affect change </a:t>
-            </a:r>
-            <a:r>
-              <a:rPr lang="en-US" sz="2400" dirty="0"/>
-              <a:t>in what’s happening in the program</a:t>
-            </a:r>
-          </a:p>
-          <a:p>
-            <a:endParaRPr lang="en-US" sz="2400" dirty="0"/>
-          </a:p>
-          <a:p>
-            <a:endParaRPr lang="en-US" sz="2400" dirty="0"/>
-          </a:p>
-        </p:txBody>
-      </p:sp>
-    </p:spTree>
-    <p:extLst>
-      <p:ext uri="{BB962C8B-B14F-4D97-AF65-F5344CB8AC3E}">
-        <p14:creationId xmlns:p14="http://schemas.microsoft.com/office/powerpoint/2010/main" val="1669127540"/>
-      </p:ext>
-    </p:extLst>
-  </p:cSld>
-  <p:clrMapOvr>
-    <a:masterClrMapping/>
-  </p:clrMapOvr>
-</p:sld>
-</file>
-
-<file path=ppt/slides/slide9.xml><?xml version="1.0" encoding="utf-8"?>
-<p:sld xmlns:a="http://schemas.openxmlformats.org/drawingml/2006/main" xmlns:r="http://schemas.openxmlformats.org/officeDocument/2006/relationships" xmlns:p="http://schemas.openxmlformats.org/presentationml/2006/main">
-  <p:cSld>
-    <p:spTree>
-      <p:nvGrpSpPr>
-        <p:cNvPr id="1" name=""/>
-        <p:cNvGrpSpPr/>
-        <p:nvPr/>
-      </p:nvGrpSpPr>
-      <p:grpSpPr>
-        <a:xfrm>
-          <a:off x="0" y="0"/>
-          <a:ext cx="0" cy="0"/>
-          <a:chOff x="0" y="0"/>
-          <a:chExt cx="0" cy="0"/>
-        </a:xfrm>
-      </p:grpSpPr>
-      <p:sp>
-        <p:nvSpPr>
-          <p:cNvPr id="2" name="Title 1"/>
-          <p:cNvSpPr>
-            <a:spLocks noGrp="1"/>
-          </p:cNvSpPr>
-          <p:nvPr>
-            <p:ph type="title"/>
-          </p:nvPr>
-        </p:nvSpPr>
-        <p:spPr/>
-        <p:txBody>
-          <a:bodyPr/>
-          <a:lstStyle/>
-          <a:p>
-            <a:r>
-              <a:rPr lang="en-US" dirty="0"/>
-              <a:t>Interaction (def.)</a:t>
-            </a:r>
-          </a:p>
-        </p:txBody>
-      </p:sp>
-      <p:sp>
-        <p:nvSpPr>
-          <p:cNvPr id="6" name="Content Placeholder 5"/>
-          <p:cNvSpPr>
-            <a:spLocks noGrp="1"/>
-          </p:cNvSpPr>
-          <p:nvPr>
-            <p:ph idx="1"/>
-          </p:nvPr>
-        </p:nvSpPr>
-        <p:spPr/>
-        <p:txBody>
-          <a:bodyPr>
-            <a:normAutofit/>
-          </a:bodyPr>
-          <a:lstStyle/>
-          <a:p>
-            <a:r>
-              <a:rPr lang="en-US" sz="2400" dirty="0"/>
-              <a:t>Ways for the user to </a:t>
-            </a:r>
-            <a:r>
-              <a:rPr lang="en-US" sz="2400" b="1" dirty="0"/>
-              <a:t>affect change </a:t>
-            </a:r>
-            <a:r>
-              <a:rPr lang="en-US" sz="2400" dirty="0"/>
-              <a:t>in what’s happening in the program</a:t>
-            </a:r>
-          </a:p>
-          <a:p>
-            <a:endParaRPr lang="en-US" sz="2400" dirty="0"/>
-          </a:p>
-          <a:p>
-            <a:r>
-              <a:rPr lang="en-US" sz="2400" dirty="0"/>
-              <a:t>Low level: </a:t>
-            </a:r>
-            <a:r>
-              <a:rPr lang="en-US" sz="2400" b="1" dirty="0"/>
-              <a:t>between human and interface</a:t>
-            </a:r>
-          </a:p>
-          <a:p>
-            <a:pPr marL="742950" lvl="1" indent="-342900"/>
-            <a:r>
-              <a:rPr lang="en-US" sz="2000" dirty="0"/>
-              <a:t>the set of operations available</a:t>
-            </a:r>
-          </a:p>
-          <a:p>
-            <a:pPr marL="742950" lvl="1" indent="-342900"/>
-            <a:r>
-              <a:rPr lang="en-US" sz="2000" dirty="0"/>
-              <a:t>happens between the human and the physical computer</a:t>
-            </a:r>
-          </a:p>
-          <a:p>
-            <a:pPr marL="468630" indent="-342900"/>
-            <a:endParaRPr lang="en-US" sz="2400" dirty="0"/>
-          </a:p>
-          <a:p>
-            <a:endParaRPr lang="en-US" sz="2400" dirty="0"/>
-          </a:p>
-        </p:txBody>
-      </p:sp>
-    </p:spTree>
-    <p:extLst>
-      <p:ext uri="{BB962C8B-B14F-4D97-AF65-F5344CB8AC3E}">
-        <p14:creationId xmlns:p14="http://schemas.microsoft.com/office/powerpoint/2010/main" val="744303978"/>
       </p:ext>
     </p:extLst>
   </p:cSld>
